--- a/week6_pythonI/week6_python.pptx
+++ b/week6_pythonI/week6_python.pptx
@@ -5,22 +5,24 @@
     <p:sldMasterId id="2147483648" r:id="rId1"/>
   </p:sldMasterIdLst>
   <p:notesMasterIdLst>
-    <p:notesMasterId r:id="rId15"/>
+    <p:notesMasterId r:id="rId17"/>
   </p:notesMasterIdLst>
   <p:sldIdLst>
     <p:sldId id="256" r:id="rId2"/>
     <p:sldId id="307" r:id="rId3"/>
-    <p:sldId id="315" r:id="rId4"/>
-    <p:sldId id="317" r:id="rId5"/>
-    <p:sldId id="309" r:id="rId6"/>
-    <p:sldId id="310" r:id="rId7"/>
-    <p:sldId id="314" r:id="rId8"/>
-    <p:sldId id="311" r:id="rId9"/>
-    <p:sldId id="316" r:id="rId10"/>
-    <p:sldId id="308" r:id="rId11"/>
-    <p:sldId id="318" r:id="rId12"/>
-    <p:sldId id="286" r:id="rId13"/>
-    <p:sldId id="320" r:id="rId14"/>
+    <p:sldId id="321" r:id="rId4"/>
+    <p:sldId id="315" r:id="rId5"/>
+    <p:sldId id="317" r:id="rId6"/>
+    <p:sldId id="309" r:id="rId7"/>
+    <p:sldId id="310" r:id="rId8"/>
+    <p:sldId id="322" r:id="rId9"/>
+    <p:sldId id="314" r:id="rId10"/>
+    <p:sldId id="311" r:id="rId11"/>
+    <p:sldId id="316" r:id="rId12"/>
+    <p:sldId id="308" r:id="rId13"/>
+    <p:sldId id="318" r:id="rId14"/>
+    <p:sldId id="286" r:id="rId15"/>
+    <p:sldId id="320" r:id="rId16"/>
   </p:sldIdLst>
   <p:sldSz cx="12192000" cy="6858000"/>
   <p:notesSz cx="6858000" cy="9144000"/>
@@ -209,7 +211,7 @@
           <a:p>
             <a:fld id="{56D77398-3147-2349-91B4-8DD464C64BCA}" type="datetimeFigureOut">
               <a:rPr lang="en-US" smtClean="0"/>
-              <a:t>9/29/22</a:t>
+              <a:t>10/3/23</a:t>
             </a:fld>
             <a:endParaRPr lang="en-US"/>
           </a:p>
@@ -791,7 +793,7 @@
           <a:p>
             <a:fld id="{CDDF0107-2D27-914A-9F22-DFB09E04F050}" type="datetimeFigureOut">
               <a:rPr lang="en-US" smtClean="0"/>
-              <a:t>9/29/22</a:t>
+              <a:t>10/3/23</a:t>
             </a:fld>
             <a:endParaRPr lang="en-US"/>
           </a:p>
@@ -989,7 +991,7 @@
           <a:p>
             <a:fld id="{CDDF0107-2D27-914A-9F22-DFB09E04F050}" type="datetimeFigureOut">
               <a:rPr lang="en-US" smtClean="0"/>
-              <a:t>9/29/22</a:t>
+              <a:t>10/3/23</a:t>
             </a:fld>
             <a:endParaRPr lang="en-US"/>
           </a:p>
@@ -1197,7 +1199,7 @@
           <a:p>
             <a:fld id="{CDDF0107-2D27-914A-9F22-DFB09E04F050}" type="datetimeFigureOut">
               <a:rPr lang="en-US" smtClean="0"/>
-              <a:t>9/29/22</a:t>
+              <a:t>10/3/23</a:t>
             </a:fld>
             <a:endParaRPr lang="en-US"/>
           </a:p>
@@ -1395,7 +1397,7 @@
           <a:p>
             <a:fld id="{CDDF0107-2D27-914A-9F22-DFB09E04F050}" type="datetimeFigureOut">
               <a:rPr lang="en-US" smtClean="0"/>
-              <a:t>9/29/22</a:t>
+              <a:t>10/3/23</a:t>
             </a:fld>
             <a:endParaRPr lang="en-US"/>
           </a:p>
@@ -1670,7 +1672,7 @@
           <a:p>
             <a:fld id="{CDDF0107-2D27-914A-9F22-DFB09E04F050}" type="datetimeFigureOut">
               <a:rPr lang="en-US" smtClean="0"/>
-              <a:t>9/29/22</a:t>
+              <a:t>10/3/23</a:t>
             </a:fld>
             <a:endParaRPr lang="en-US"/>
           </a:p>
@@ -1935,7 +1937,7 @@
           <a:p>
             <a:fld id="{CDDF0107-2D27-914A-9F22-DFB09E04F050}" type="datetimeFigureOut">
               <a:rPr lang="en-US" smtClean="0"/>
-              <a:t>9/29/22</a:t>
+              <a:t>10/3/23</a:t>
             </a:fld>
             <a:endParaRPr lang="en-US"/>
           </a:p>
@@ -2347,7 +2349,7 @@
           <a:p>
             <a:fld id="{CDDF0107-2D27-914A-9F22-DFB09E04F050}" type="datetimeFigureOut">
               <a:rPr lang="en-US" smtClean="0"/>
-              <a:t>9/29/22</a:t>
+              <a:t>10/3/23</a:t>
             </a:fld>
             <a:endParaRPr lang="en-US"/>
           </a:p>
@@ -2488,7 +2490,7 @@
           <a:p>
             <a:fld id="{CDDF0107-2D27-914A-9F22-DFB09E04F050}" type="datetimeFigureOut">
               <a:rPr lang="en-US" smtClean="0"/>
-              <a:t>9/29/22</a:t>
+              <a:t>10/3/23</a:t>
             </a:fld>
             <a:endParaRPr lang="en-US"/>
           </a:p>
@@ -2601,7 +2603,7 @@
           <a:p>
             <a:fld id="{CDDF0107-2D27-914A-9F22-DFB09E04F050}" type="datetimeFigureOut">
               <a:rPr lang="en-US" smtClean="0"/>
-              <a:t>9/29/22</a:t>
+              <a:t>10/3/23</a:t>
             </a:fld>
             <a:endParaRPr lang="en-US"/>
           </a:p>
@@ -2912,7 +2914,7 @@
           <a:p>
             <a:fld id="{CDDF0107-2D27-914A-9F22-DFB09E04F050}" type="datetimeFigureOut">
               <a:rPr lang="en-US" smtClean="0"/>
-              <a:t>9/29/22</a:t>
+              <a:t>10/3/23</a:t>
             </a:fld>
             <a:endParaRPr lang="en-US"/>
           </a:p>
@@ -3200,7 +3202,7 @@
           <a:p>
             <a:fld id="{CDDF0107-2D27-914A-9F22-DFB09E04F050}" type="datetimeFigureOut">
               <a:rPr lang="en-US" smtClean="0"/>
-              <a:t>9/29/22</a:t>
+              <a:t>10/3/23</a:t>
             </a:fld>
             <a:endParaRPr lang="en-US"/>
           </a:p>
@@ -3441,7 +3443,7 @@
           <a:p>
             <a:fld id="{CDDF0107-2D27-914A-9F22-DFB09E04F050}" type="datetimeFigureOut">
               <a:rPr lang="en-US" smtClean="0"/>
-              <a:t>9/29/22</a:t>
+              <a:t>10/3/23</a:t>
             </a:fld>
             <a:endParaRPr lang="en-US"/>
           </a:p>
@@ -4050,10 +4052,16 @@
           <a:lstStyle/>
           <a:p>
             <a:r>
+              <a:rPr lang="en-US" sz="3300">
+                <a:latin typeface="Helvetica Light" panose="020B0403020202020204" pitchFamily="34" charset="0"/>
+              </a:rPr>
+              <a:t>Week 6: </a:t>
+            </a:r>
+            <a:r>
               <a:rPr lang="en-US" sz="3300" dirty="0">
                 <a:latin typeface="Helvetica Light" panose="020B0403020202020204" pitchFamily="34" charset="0"/>
               </a:rPr>
-              <a:t>Week 5: Getting started in python</a:t>
+              <a:t>Getting started in python</a:t>
             </a:r>
           </a:p>
         </p:txBody>
@@ -4256,6 +4264,636 @@
 </file>
 
 <file path=ppt/slides/slide10.xml><?xml version="1.0" encoding="utf-8"?>
+<p:sld xmlns:a="http://schemas.openxmlformats.org/drawingml/2006/main" xmlns:r="http://schemas.openxmlformats.org/officeDocument/2006/relationships" xmlns:p="http://schemas.openxmlformats.org/presentationml/2006/main">
+  <p:cSld>
+    <p:spTree>
+      <p:nvGrpSpPr>
+        <p:cNvPr id="1" name=""/>
+        <p:cNvGrpSpPr/>
+        <p:nvPr/>
+      </p:nvGrpSpPr>
+      <p:grpSpPr>
+        <a:xfrm>
+          <a:off x="0" y="0"/>
+          <a:ext cx="0" cy="0"/>
+          <a:chOff x="0" y="0"/>
+          <a:chExt cx="0" cy="0"/>
+        </a:xfrm>
+      </p:grpSpPr>
+      <p:sp>
+        <p:nvSpPr>
+          <p:cNvPr id="2" name="Rectangle 1">
+            <a:extLst>
+              <a:ext uri="{FF2B5EF4-FFF2-40B4-BE49-F238E27FC236}">
+                <a16:creationId xmlns:a16="http://schemas.microsoft.com/office/drawing/2014/main" id="{75B6E8E4-FEE0-6748-A507-33295519B353}"/>
+              </a:ext>
+            </a:extLst>
+          </p:cNvPr>
+          <p:cNvSpPr/>
+          <p:nvPr/>
+        </p:nvSpPr>
+        <p:spPr>
+          <a:xfrm>
+            <a:off x="2367169" y="1409878"/>
+            <a:ext cx="6813853" cy="446276"/>
+          </a:xfrm>
+          <a:prstGeom prst="rect">
+            <a:avLst/>
+          </a:prstGeom>
+        </p:spPr>
+        <p:txBody>
+          <a:bodyPr wrap="none">
+            <a:spAutoFit/>
+          </a:bodyPr>
+          <a:lstStyle/>
+          <a:p>
+            <a:r>
+              <a:rPr lang="en-US" sz="2300" dirty="0">
+                <a:latin typeface="Courier New" panose="02070309020205020404" pitchFamily="49" charset="0"/>
+                <a:ea typeface="Courier New" panose="02070309020205020404" pitchFamily="49" charset="0"/>
+                <a:cs typeface="Courier New" panose="02070309020205020404" pitchFamily="49" charset="0"/>
+              </a:rPr>
+              <a:t>%d</a:t>
+            </a:r>
+            <a:r>
+              <a:rPr lang="en-US" sz="2300" dirty="0">
+                <a:latin typeface="Courier New" panose="02070309020205020404" pitchFamily="49" charset="0"/>
+                <a:ea typeface="Times New Roman" panose="02020603050405020304" pitchFamily="18" charset="0"/>
+                <a:cs typeface="Courier New" panose="02070309020205020404" pitchFamily="49" charset="0"/>
+              </a:rPr>
+              <a:t> </a:t>
+            </a:r>
+            <a:r>
+              <a:rPr lang="en-US" sz="2300" dirty="0">
+                <a:latin typeface="+mj-lt"/>
+                <a:ea typeface="Times New Roman" panose="02020603050405020304" pitchFamily="18" charset="0"/>
+              </a:rPr>
+              <a:t>for an integer, </a:t>
+            </a:r>
+            <a:r>
+              <a:rPr lang="en-US" sz="2300" dirty="0">
+                <a:latin typeface="Courier New" panose="02070309020205020404" pitchFamily="49" charset="0"/>
+                <a:ea typeface="Courier New" panose="02070309020205020404" pitchFamily="49" charset="0"/>
+                <a:cs typeface="Courier New" panose="02070309020205020404" pitchFamily="49" charset="0"/>
+              </a:rPr>
+              <a:t>%f</a:t>
+            </a:r>
+            <a:r>
+              <a:rPr lang="en-US" sz="2300" dirty="0">
+                <a:latin typeface="Courier New" panose="02070309020205020404" pitchFamily="49" charset="0"/>
+                <a:ea typeface="Times New Roman" panose="02020603050405020304" pitchFamily="18" charset="0"/>
+                <a:cs typeface="Courier New" panose="02070309020205020404" pitchFamily="49" charset="0"/>
+              </a:rPr>
+              <a:t> </a:t>
+            </a:r>
+            <a:r>
+              <a:rPr lang="en-US" sz="2300" dirty="0">
+                <a:latin typeface="+mj-lt"/>
+                <a:ea typeface="Times New Roman" panose="02020603050405020304" pitchFamily="18" charset="0"/>
+              </a:rPr>
+              <a:t>for a float, and</a:t>
+            </a:r>
+            <a:r>
+              <a:rPr lang="en-US" sz="2300" dirty="0">
+                <a:latin typeface="Courier New" panose="02070309020205020404" pitchFamily="49" charset="0"/>
+                <a:ea typeface="Times New Roman" panose="02020603050405020304" pitchFamily="18" charset="0"/>
+                <a:cs typeface="Courier New" panose="02070309020205020404" pitchFamily="49" charset="0"/>
+              </a:rPr>
+              <a:t> </a:t>
+            </a:r>
+            <a:r>
+              <a:rPr lang="en-US" sz="2300" dirty="0">
+                <a:latin typeface="Courier New" panose="02070309020205020404" pitchFamily="49" charset="0"/>
+                <a:ea typeface="Courier New" panose="02070309020205020404" pitchFamily="49" charset="0"/>
+                <a:cs typeface="Courier New" panose="02070309020205020404" pitchFamily="49" charset="0"/>
+              </a:rPr>
+              <a:t>%s</a:t>
+            </a:r>
+            <a:r>
+              <a:rPr lang="en-US" sz="2300" dirty="0">
+                <a:latin typeface="Courier New" panose="02070309020205020404" pitchFamily="49" charset="0"/>
+                <a:ea typeface="Times New Roman" panose="02020603050405020304" pitchFamily="18" charset="0"/>
+                <a:cs typeface="Courier New" panose="02070309020205020404" pitchFamily="49" charset="0"/>
+              </a:rPr>
+              <a:t> </a:t>
+            </a:r>
+            <a:r>
+              <a:rPr lang="en-US" sz="2300" dirty="0">
+                <a:latin typeface="+mj-lt"/>
+                <a:ea typeface="Times New Roman" panose="02020603050405020304" pitchFamily="18" charset="0"/>
+              </a:rPr>
+              <a:t>for a string. </a:t>
+            </a:r>
+            <a:endParaRPr lang="en-US" sz="2300" dirty="0">
+              <a:latin typeface="+mj-lt"/>
+            </a:endParaRPr>
+          </a:p>
+        </p:txBody>
+      </p:sp>
+      <p:sp>
+        <p:nvSpPr>
+          <p:cNvPr id="3" name="TextBox 2">
+            <a:extLst>
+              <a:ext uri="{FF2B5EF4-FFF2-40B4-BE49-F238E27FC236}">
+                <a16:creationId xmlns:a16="http://schemas.microsoft.com/office/drawing/2014/main" id="{623CF459-0F89-D345-AA63-7A331BEB4ACC}"/>
+              </a:ext>
+            </a:extLst>
+          </p:cNvPr>
+          <p:cNvSpPr txBox="1"/>
+          <p:nvPr/>
+        </p:nvSpPr>
+        <p:spPr>
+          <a:xfrm>
+            <a:off x="1752950" y="327991"/>
+            <a:ext cx="7800533" cy="1031051"/>
+          </a:xfrm>
+          <a:prstGeom prst="rect">
+            <a:avLst/>
+          </a:prstGeom>
+          <a:noFill/>
+        </p:spPr>
+        <p:txBody>
+          <a:bodyPr wrap="none" rtlCol="0">
+            <a:spAutoFit/>
+          </a:bodyPr>
+          <a:lstStyle/>
+          <a:p>
+            <a:pPr algn="ctr"/>
+            <a:r>
+              <a:rPr lang="en-US" sz="3300" b="1" dirty="0">
+                <a:latin typeface="Helvetica Light" panose="020B0403020202020204" pitchFamily="34" charset="0"/>
+              </a:rPr>
+              <a:t>% operator: </a:t>
+            </a:r>
+          </a:p>
+          <a:p>
+            <a:pPr algn="ctr"/>
+            <a:r>
+              <a:rPr lang="en-US" sz="2800" dirty="0">
+                <a:latin typeface="Helvetica Light" panose="020B0403020202020204" pitchFamily="34" charset="0"/>
+              </a:rPr>
+              <a:t>controlling format of scalars in print statements </a:t>
+            </a:r>
+          </a:p>
+        </p:txBody>
+      </p:sp>
+      <p:sp>
+        <p:nvSpPr>
+          <p:cNvPr id="4" name="Rectangle 3">
+            <a:extLst>
+              <a:ext uri="{FF2B5EF4-FFF2-40B4-BE49-F238E27FC236}">
+                <a16:creationId xmlns:a16="http://schemas.microsoft.com/office/drawing/2014/main" id="{049F0A66-6705-AA49-B188-62B08748F2C7}"/>
+              </a:ext>
+            </a:extLst>
+          </p:cNvPr>
+          <p:cNvSpPr/>
+          <p:nvPr/>
+        </p:nvSpPr>
+        <p:spPr>
+          <a:xfrm>
+            <a:off x="1085020" y="2925497"/>
+            <a:ext cx="9604513" cy="886397"/>
+          </a:xfrm>
+          <a:prstGeom prst="rect">
+            <a:avLst/>
+          </a:prstGeom>
+        </p:spPr>
+        <p:txBody>
+          <a:bodyPr wrap="square">
+            <a:spAutoFit/>
+          </a:bodyPr>
+          <a:lstStyle/>
+          <a:p>
+            <a:pPr>
+              <a:lnSpc>
+                <a:spcPct val="115000"/>
+              </a:lnSpc>
+            </a:pPr>
+            <a:r>
+              <a:rPr lang="en-US" sz="2400" dirty="0">
+                <a:solidFill>
+                  <a:srgbClr val="000000"/>
+                </a:solidFill>
+                <a:latin typeface="Courier New" panose="02070309020205020404" pitchFamily="49" charset="0"/>
+                <a:ea typeface="Courier New" panose="02070309020205020404" pitchFamily="49" charset="0"/>
+              </a:rPr>
+              <a:t>Prod = 2/3</a:t>
+            </a:r>
+          </a:p>
+          <a:p>
+            <a:r>
+              <a:rPr lang="en-US" sz="2400" dirty="0">
+                <a:latin typeface="Courier New" panose="02070309020205020404" pitchFamily="49" charset="0"/>
+                <a:cs typeface="Courier New" panose="02070309020205020404" pitchFamily="49" charset="0"/>
+              </a:rPr>
+              <a:t>print ("2/3 should equal roughly %.3f" % (Prod))</a:t>
+            </a:r>
+          </a:p>
+        </p:txBody>
+      </p:sp>
+      <p:sp>
+        <p:nvSpPr>
+          <p:cNvPr id="5" name="Rectangle 4">
+            <a:extLst>
+              <a:ext uri="{FF2B5EF4-FFF2-40B4-BE49-F238E27FC236}">
+                <a16:creationId xmlns:a16="http://schemas.microsoft.com/office/drawing/2014/main" id="{5DB98B2A-C8E4-5E49-8404-193C135195AE}"/>
+              </a:ext>
+            </a:extLst>
+          </p:cNvPr>
+          <p:cNvSpPr/>
+          <p:nvPr/>
+        </p:nvSpPr>
+        <p:spPr>
+          <a:xfrm>
+            <a:off x="1085020" y="2294809"/>
+            <a:ext cx="5259773" cy="446276"/>
+          </a:xfrm>
+          <a:prstGeom prst="rect">
+            <a:avLst/>
+          </a:prstGeom>
+        </p:spPr>
+        <p:txBody>
+          <a:bodyPr wrap="none">
+            <a:spAutoFit/>
+          </a:bodyPr>
+          <a:lstStyle/>
+          <a:p>
+            <a:r>
+              <a:rPr lang="en-US" sz="2300" dirty="0">
+                <a:latin typeface="Courier New" panose="02070309020205020404" pitchFamily="49" charset="0"/>
+                <a:ea typeface="Courier New" panose="02070309020205020404" pitchFamily="49" charset="0"/>
+                <a:cs typeface="Courier New" panose="02070309020205020404" pitchFamily="49" charset="0"/>
+              </a:rPr>
+              <a:t>%f </a:t>
+            </a:r>
+            <a:r>
+              <a:rPr lang="en-US" sz="2300" dirty="0">
+                <a:latin typeface="Helvetica Light" panose="020B0403020202020204" pitchFamily="34" charset="0"/>
+                <a:ea typeface="Courier New" panose="02070309020205020404" pitchFamily="49" charset="0"/>
+                <a:cs typeface="Courier New" panose="02070309020205020404" pitchFamily="49" charset="0"/>
+              </a:rPr>
+              <a:t>controls precision of floats printed.</a:t>
+            </a:r>
+            <a:endParaRPr lang="en-US" sz="2300" dirty="0">
+              <a:latin typeface="+mj-lt"/>
+            </a:endParaRPr>
+          </a:p>
+        </p:txBody>
+      </p:sp>
+      <p:sp>
+        <p:nvSpPr>
+          <p:cNvPr id="6" name="Rectangle 5">
+            <a:extLst>
+              <a:ext uri="{FF2B5EF4-FFF2-40B4-BE49-F238E27FC236}">
+                <a16:creationId xmlns:a16="http://schemas.microsoft.com/office/drawing/2014/main" id="{E454B938-9C88-534D-9C2B-8106A6BC71DA}"/>
+              </a:ext>
+            </a:extLst>
+          </p:cNvPr>
+          <p:cNvSpPr/>
+          <p:nvPr/>
+        </p:nvSpPr>
+        <p:spPr>
+          <a:xfrm>
+            <a:off x="1085020" y="4347051"/>
+            <a:ext cx="9604513" cy="2202141"/>
+          </a:xfrm>
+          <a:prstGeom prst="rect">
+            <a:avLst/>
+          </a:prstGeom>
+        </p:spPr>
+        <p:txBody>
+          <a:bodyPr wrap="square">
+            <a:spAutoFit/>
+          </a:bodyPr>
+          <a:lstStyle/>
+          <a:p>
+            <a:pPr>
+              <a:lnSpc>
+                <a:spcPct val="115000"/>
+              </a:lnSpc>
+            </a:pPr>
+            <a:r>
+              <a:rPr lang="en-US" sz="2400" dirty="0">
+                <a:solidFill>
+                  <a:srgbClr val="000000"/>
+                </a:solidFill>
+                <a:latin typeface="Courier New" panose="02070309020205020404" pitchFamily="49" charset="0"/>
+                <a:ea typeface="Courier New" panose="02070309020205020404" pitchFamily="49" charset="0"/>
+              </a:rPr>
+              <a:t>Temp = 72.3</a:t>
+            </a:r>
+          </a:p>
+          <a:p>
+            <a:pPr>
+              <a:lnSpc>
+                <a:spcPct val="115000"/>
+              </a:lnSpc>
+            </a:pPr>
+            <a:r>
+              <a:rPr lang="en-US" sz="2400" dirty="0">
+                <a:solidFill>
+                  <a:srgbClr val="000000"/>
+                </a:solidFill>
+                <a:latin typeface="Courier New" panose="02070309020205020404" pitchFamily="49" charset="0"/>
+                <a:ea typeface="Courier New" panose="02070309020205020404" pitchFamily="49" charset="0"/>
+              </a:rPr>
+              <a:t>Seq = </a:t>
+            </a:r>
+            <a:r>
+              <a:rPr lang="en-US" sz="2400" dirty="0">
+                <a:latin typeface="Courier New" panose="02070309020205020404" pitchFamily="49" charset="0"/>
+                <a:cs typeface="Courier New" panose="02070309020205020404" pitchFamily="49" charset="0"/>
+              </a:rPr>
+              <a:t>"</a:t>
+            </a:r>
+            <a:r>
+              <a:rPr lang="en-US" sz="2400" dirty="0">
+                <a:solidFill>
+                  <a:srgbClr val="000000"/>
+                </a:solidFill>
+                <a:latin typeface="Courier New" panose="02070309020205020404" pitchFamily="49" charset="0"/>
+                <a:ea typeface="Courier New" panose="02070309020205020404" pitchFamily="49" charset="0"/>
+              </a:rPr>
+              <a:t>ATCCC</a:t>
+            </a:r>
+            <a:r>
+              <a:rPr lang="en-US" sz="2400" dirty="0">
+                <a:latin typeface="Courier New" panose="02070309020205020404" pitchFamily="49" charset="0"/>
+                <a:cs typeface="Courier New" panose="02070309020205020404" pitchFamily="49" charset="0"/>
+              </a:rPr>
+              <a:t>" </a:t>
+            </a:r>
+          </a:p>
+          <a:p>
+            <a:pPr>
+              <a:lnSpc>
+                <a:spcPct val="115000"/>
+              </a:lnSpc>
+            </a:pPr>
+            <a:r>
+              <a:rPr lang="en-US" sz="2400" dirty="0">
+                <a:solidFill>
+                  <a:srgbClr val="000000"/>
+                </a:solidFill>
+                <a:latin typeface="Courier New" panose="02070309020205020404" pitchFamily="49" charset="0"/>
+                <a:ea typeface="Courier New" panose="02070309020205020404" pitchFamily="49" charset="0"/>
+                <a:cs typeface="Courier New" panose="02070309020205020404" pitchFamily="49" charset="0"/>
+              </a:rPr>
+              <a:t>Num = 23</a:t>
+            </a:r>
+            <a:endParaRPr lang="en-US" sz="2400" dirty="0">
+              <a:solidFill>
+                <a:srgbClr val="000000"/>
+              </a:solidFill>
+              <a:latin typeface="Courier New" panose="02070309020205020404" pitchFamily="49" charset="0"/>
+              <a:ea typeface="Courier New" panose="02070309020205020404" pitchFamily="49" charset="0"/>
+            </a:endParaRPr>
+          </a:p>
+          <a:p>
+            <a:pPr>
+              <a:lnSpc>
+                <a:spcPct val="115000"/>
+              </a:lnSpc>
+            </a:pPr>
+            <a:r>
+              <a:rPr lang="en-US" sz="2400" dirty="0">
+                <a:latin typeface="Courier New" panose="02070309020205020404" pitchFamily="49" charset="0"/>
+                <a:cs typeface="Courier New" panose="02070309020205020404" pitchFamily="49" charset="0"/>
+              </a:rPr>
+              <a:t>print("Primer %d, bases %s, melting point %f" % (Num, Seq, Temp))</a:t>
+            </a:r>
+          </a:p>
+        </p:txBody>
+      </p:sp>
+    </p:spTree>
+    <p:extLst>
+      <p:ext uri="{BB962C8B-B14F-4D97-AF65-F5344CB8AC3E}">
+        <p14:creationId xmlns:p14="http://schemas.microsoft.com/office/powerpoint/2010/main" val="1979023920"/>
+      </p:ext>
+    </p:extLst>
+  </p:cSld>
+  <p:clrMapOvr>
+    <a:masterClrMapping/>
+  </p:clrMapOvr>
+</p:sld>
+</file>
+
+<file path=ppt/slides/slide11.xml><?xml version="1.0" encoding="utf-8"?>
+<p:sld xmlns:a="http://schemas.openxmlformats.org/drawingml/2006/main" xmlns:r="http://schemas.openxmlformats.org/officeDocument/2006/relationships" xmlns:p="http://schemas.openxmlformats.org/presentationml/2006/main">
+  <p:cSld>
+    <p:spTree>
+      <p:nvGrpSpPr>
+        <p:cNvPr id="1" name=""/>
+        <p:cNvGrpSpPr/>
+        <p:nvPr/>
+      </p:nvGrpSpPr>
+      <p:grpSpPr>
+        <a:xfrm>
+          <a:off x="0" y="0"/>
+          <a:ext cx="0" cy="0"/>
+          <a:chOff x="0" y="0"/>
+          <a:chExt cx="0" cy="0"/>
+        </a:xfrm>
+      </p:grpSpPr>
+      <p:sp>
+        <p:nvSpPr>
+          <p:cNvPr id="2" name="TextBox 1">
+            <a:extLst>
+              <a:ext uri="{FF2B5EF4-FFF2-40B4-BE49-F238E27FC236}">
+                <a16:creationId xmlns:a16="http://schemas.microsoft.com/office/drawing/2014/main" id="{090BC4A2-9B62-A242-A5D4-64C574932116}"/>
+              </a:ext>
+            </a:extLst>
+          </p:cNvPr>
+          <p:cNvSpPr txBox="1"/>
+          <p:nvPr/>
+        </p:nvSpPr>
+        <p:spPr>
+          <a:xfrm>
+            <a:off x="2691497" y="449207"/>
+            <a:ext cx="6340197" cy="600164"/>
+          </a:xfrm>
+          <a:prstGeom prst="rect">
+            <a:avLst/>
+          </a:prstGeom>
+          <a:noFill/>
+        </p:spPr>
+        <p:txBody>
+          <a:bodyPr wrap="none" rtlCol="0">
+            <a:spAutoFit/>
+          </a:bodyPr>
+          <a:lstStyle/>
+          <a:p>
+            <a:r>
+              <a:rPr lang="en-US" sz="3300" b="1" dirty="0">
+                <a:latin typeface="Helvetica Light" panose="020B0403020202020204" pitchFamily="34" charset="0"/>
+              </a:rPr>
+              <a:t>Interactive mode help() and </a:t>
+            </a:r>
+            <a:r>
+              <a:rPr lang="en-US" sz="3300" b="1" dirty="0" err="1">
+                <a:latin typeface="Helvetica Light" panose="020B0403020202020204" pitchFamily="34" charset="0"/>
+              </a:rPr>
+              <a:t>dir</a:t>
+            </a:r>
+            <a:r>
+              <a:rPr lang="en-US" sz="3300" b="1" dirty="0">
+                <a:latin typeface="Helvetica Light" panose="020B0403020202020204" pitchFamily="34" charset="0"/>
+              </a:rPr>
+              <a:t>()</a:t>
+            </a:r>
+          </a:p>
+        </p:txBody>
+      </p:sp>
+      <p:sp>
+        <p:nvSpPr>
+          <p:cNvPr id="3" name="Rectangle 2">
+            <a:extLst>
+              <a:ext uri="{FF2B5EF4-FFF2-40B4-BE49-F238E27FC236}">
+                <a16:creationId xmlns:a16="http://schemas.microsoft.com/office/drawing/2014/main" id="{AE512135-4E26-EA4B-8F81-2F5B981B57B4}"/>
+              </a:ext>
+            </a:extLst>
+          </p:cNvPr>
+          <p:cNvSpPr/>
+          <p:nvPr/>
+        </p:nvSpPr>
+        <p:spPr>
+          <a:xfrm>
+            <a:off x="1370622" y="1452770"/>
+            <a:ext cx="7830990" cy="830997"/>
+          </a:xfrm>
+          <a:prstGeom prst="rect">
+            <a:avLst/>
+          </a:prstGeom>
+        </p:spPr>
+        <p:txBody>
+          <a:bodyPr wrap="none">
+            <a:spAutoFit/>
+          </a:bodyPr>
+          <a:lstStyle/>
+          <a:p>
+            <a:r>
+              <a:rPr lang="en-US" sz="2600" dirty="0">
+                <a:latin typeface="Courier New" panose="02070309020205020404" pitchFamily="49" charset="0"/>
+                <a:cs typeface="Courier New" panose="02070309020205020404" pitchFamily="49" charset="0"/>
+              </a:rPr>
+              <a:t>help(str)		</a:t>
+            </a:r>
+          </a:p>
+          <a:p>
+            <a:r>
+              <a:rPr lang="en-US" sz="2200" dirty="0">
+                <a:latin typeface="Courier New" panose="02070309020205020404" pitchFamily="49" charset="0"/>
+                <a:cs typeface="Courier New" panose="02070309020205020404" pitchFamily="49" charset="0"/>
+              </a:rPr>
+              <a:t># provides brief description of str functions</a:t>
+            </a:r>
+            <a:endParaRPr lang="en-US" sz="2200" dirty="0">
+              <a:effectLst/>
+              <a:latin typeface="Courier New" panose="02070309020205020404" pitchFamily="49" charset="0"/>
+              <a:cs typeface="Courier New" panose="02070309020205020404" pitchFamily="49" charset="0"/>
+            </a:endParaRPr>
+          </a:p>
+        </p:txBody>
+      </p:sp>
+      <p:pic>
+        <p:nvPicPr>
+          <p:cNvPr id="6" name="Picture 5" descr="A blackboard sign on a wall&#10;&#10;Description automatically generated">
+            <a:extLst>
+              <a:ext uri="{FF2B5EF4-FFF2-40B4-BE49-F238E27FC236}">
+                <a16:creationId xmlns:a16="http://schemas.microsoft.com/office/drawing/2014/main" id="{CB5ED61C-480B-1F4F-BC6B-08EE1FCCC2BD}"/>
+              </a:ext>
+            </a:extLst>
+          </p:cNvPr>
+          <p:cNvPicPr>
+            <a:picLocks noChangeAspect="1"/>
+          </p:cNvPicPr>
+          <p:nvPr/>
+        </p:nvPicPr>
+        <p:blipFill>
+          <a:blip r:embed="rId2"/>
+          <a:stretch>
+            <a:fillRect/>
+          </a:stretch>
+        </p:blipFill>
+        <p:spPr>
+          <a:xfrm>
+            <a:off x="1062817" y="2699692"/>
+            <a:ext cx="6279559" cy="3721627"/>
+          </a:xfrm>
+          <a:prstGeom prst="rect">
+            <a:avLst/>
+          </a:prstGeom>
+        </p:spPr>
+      </p:pic>
+      <p:sp>
+        <p:nvSpPr>
+          <p:cNvPr id="7" name="TextBox 6">
+            <a:extLst>
+              <a:ext uri="{FF2B5EF4-FFF2-40B4-BE49-F238E27FC236}">
+                <a16:creationId xmlns:a16="http://schemas.microsoft.com/office/drawing/2014/main" id="{595CAE82-27F4-714B-9EFF-7CC1DE322C4C}"/>
+              </a:ext>
+            </a:extLst>
+          </p:cNvPr>
+          <p:cNvSpPr txBox="1"/>
+          <p:nvPr/>
+        </p:nvSpPr>
+        <p:spPr>
+          <a:xfrm>
+            <a:off x="7512689" y="3690730"/>
+            <a:ext cx="4483842" cy="1369606"/>
+          </a:xfrm>
+          <a:prstGeom prst="rect">
+            <a:avLst/>
+          </a:prstGeom>
+          <a:noFill/>
+        </p:spPr>
+        <p:txBody>
+          <a:bodyPr wrap="square" rtlCol="0">
+            <a:spAutoFit/>
+          </a:bodyPr>
+          <a:lstStyle/>
+          <a:p>
+            <a:r>
+              <a:rPr lang="en-US" sz="2400" dirty="0">
+                <a:latin typeface="Helvetica Light" panose="020B0403020202020204" pitchFamily="34" charset="0"/>
+              </a:rPr>
+              <a:t>Hitting tab after variable name followed by </a:t>
+            </a:r>
+            <a:r>
+              <a:rPr lang="en-US" sz="3500" b="1" dirty="0">
+                <a:latin typeface="Helvetica Light" panose="020B0403020202020204" pitchFamily="34" charset="0"/>
+              </a:rPr>
+              <a:t>.</a:t>
+            </a:r>
+            <a:r>
+              <a:rPr lang="en-US" sz="2400" b="1" dirty="0">
+                <a:latin typeface="Helvetica Light" panose="020B0403020202020204" pitchFamily="34" charset="0"/>
+              </a:rPr>
+              <a:t> </a:t>
+            </a:r>
+            <a:r>
+              <a:rPr lang="en-US" sz="2400" dirty="0">
+                <a:latin typeface="Helvetica Light" panose="020B0403020202020204" pitchFamily="34" charset="0"/>
+              </a:rPr>
+              <a:t>will list methods available to that variable.</a:t>
+            </a:r>
+          </a:p>
+        </p:txBody>
+      </p:sp>
+    </p:spTree>
+    <p:extLst>
+      <p:ext uri="{BB962C8B-B14F-4D97-AF65-F5344CB8AC3E}">
+        <p14:creationId xmlns:p14="http://schemas.microsoft.com/office/powerpoint/2010/main" val="1300954205"/>
+      </p:ext>
+    </p:extLst>
+  </p:cSld>
+  <p:clrMapOvr>
+    <a:masterClrMapping/>
+  </p:clrMapOvr>
+</p:sld>
+</file>
+
+<file path=ppt/slides/slide12.xml><?xml version="1.0" encoding="utf-8"?>
 <p:sld xmlns:a="http://schemas.openxmlformats.org/drawingml/2006/main" xmlns:r="http://schemas.openxmlformats.org/officeDocument/2006/relationships" xmlns:p="http://schemas.openxmlformats.org/presentationml/2006/main">
   <p:cSld>
     <p:spTree>
@@ -4681,561 +5319,6 @@
 </p:sld>
 </file>
 
-<file path=ppt/slides/slide11.xml><?xml version="1.0" encoding="utf-8"?>
-<p:sld xmlns:a="http://schemas.openxmlformats.org/drawingml/2006/main" xmlns:r="http://schemas.openxmlformats.org/officeDocument/2006/relationships" xmlns:p="http://schemas.openxmlformats.org/presentationml/2006/main">
-  <p:cSld>
-    <p:spTree>
-      <p:nvGrpSpPr>
-        <p:cNvPr id="1" name=""/>
-        <p:cNvGrpSpPr/>
-        <p:nvPr/>
-      </p:nvGrpSpPr>
-      <p:grpSpPr>
-        <a:xfrm>
-          <a:off x="0" y="0"/>
-          <a:ext cx="0" cy="0"/>
-          <a:chOff x="0" y="0"/>
-          <a:chExt cx="0" cy="0"/>
-        </a:xfrm>
-      </p:grpSpPr>
-      <p:sp>
-        <p:nvSpPr>
-          <p:cNvPr id="2" name="Rectangle 1">
-            <a:extLst>
-              <a:ext uri="{FF2B5EF4-FFF2-40B4-BE49-F238E27FC236}">
-                <a16:creationId xmlns:a16="http://schemas.microsoft.com/office/drawing/2014/main" id="{61C2B915-E064-284F-A5DB-4F28686FADAB}"/>
-              </a:ext>
-            </a:extLst>
-          </p:cNvPr>
-          <p:cNvSpPr/>
-          <p:nvPr/>
-        </p:nvSpPr>
-        <p:spPr>
-          <a:xfrm>
-            <a:off x="1397876" y="1836321"/>
-            <a:ext cx="7924800" cy="1292662"/>
-          </a:xfrm>
-          <a:prstGeom prst="rect">
-            <a:avLst/>
-          </a:prstGeom>
-          <a:ln>
-            <a:solidFill>
-              <a:schemeClr val="accent1"/>
-            </a:solidFill>
-          </a:ln>
-        </p:spPr>
-        <p:txBody>
-          <a:bodyPr wrap="square">
-            <a:spAutoFit/>
-          </a:bodyPr>
-          <a:lstStyle/>
-          <a:p>
-            <a:r>
-              <a:rPr lang="en-US" sz="2600" dirty="0">
-                <a:latin typeface="Courier" pitchFamily="2" charset="0"/>
-              </a:rPr>
-              <a:t>﻿name3 = input("Enter a string: ")</a:t>
-            </a:r>
-          </a:p>
-          <a:p>
-            <a:endParaRPr lang="en-US" sz="2600" dirty="0">
-              <a:latin typeface="Courier" pitchFamily="2" charset="0"/>
-            </a:endParaRPr>
-          </a:p>
-          <a:p>
-            <a:r>
-              <a:rPr lang="en-US" sz="2600" dirty="0">
-                <a:latin typeface="Courier" pitchFamily="2" charset="0"/>
-              </a:rPr>
-              <a:t>print(name3)</a:t>
-            </a:r>
-          </a:p>
-        </p:txBody>
-      </p:sp>
-      <p:sp>
-        <p:nvSpPr>
-          <p:cNvPr id="3" name="Rectangle 2">
-            <a:extLst>
-              <a:ext uri="{FF2B5EF4-FFF2-40B4-BE49-F238E27FC236}">
-                <a16:creationId xmlns:a16="http://schemas.microsoft.com/office/drawing/2014/main" id="{D446C60C-2780-A249-BFE2-FA1D120D6DB6}"/>
-              </a:ext>
-            </a:extLst>
-          </p:cNvPr>
-          <p:cNvSpPr/>
-          <p:nvPr/>
-        </p:nvSpPr>
-        <p:spPr>
-          <a:xfrm>
-            <a:off x="1397876" y="4140640"/>
-            <a:ext cx="7924800" cy="2092881"/>
-          </a:xfrm>
-          <a:prstGeom prst="rect">
-            <a:avLst/>
-          </a:prstGeom>
-          <a:ln>
-            <a:solidFill>
-              <a:schemeClr val="accent1"/>
-            </a:solidFill>
-          </a:ln>
-        </p:spPr>
-        <p:txBody>
-          <a:bodyPr wrap="square">
-            <a:spAutoFit/>
-          </a:bodyPr>
-          <a:lstStyle/>
-          <a:p>
-            <a:r>
-              <a:rPr lang="en-US" sz="2600" dirty="0">
-                <a:solidFill>
-                  <a:srgbClr val="002060"/>
-                </a:solidFill>
-                <a:latin typeface="Courier" pitchFamily="2" charset="0"/>
-              </a:rPr>
-              <a:t>‘Enter a string: ‘ prompt will appear at command line. Type a string</a:t>
-            </a:r>
-          </a:p>
-          <a:p>
-            <a:endParaRPr lang="en-US" sz="2600" dirty="0">
-              <a:solidFill>
-                <a:srgbClr val="002060"/>
-              </a:solidFill>
-              <a:latin typeface="Courier" pitchFamily="2" charset="0"/>
-            </a:endParaRPr>
-          </a:p>
-          <a:p>
-            <a:r>
-              <a:rPr lang="en-US" sz="2600" dirty="0">
-                <a:solidFill>
-                  <a:srgbClr val="002060"/>
-                </a:solidFill>
-                <a:latin typeface="Courier" pitchFamily="2" charset="0"/>
-              </a:rPr>
-              <a:t>If ‘Burrow’ is typed and Enter hit,</a:t>
-            </a:r>
-          </a:p>
-          <a:p>
-            <a:r>
-              <a:rPr lang="en-US" sz="2600" dirty="0">
-                <a:solidFill>
-                  <a:srgbClr val="002060"/>
-                </a:solidFill>
-                <a:latin typeface="Courier" pitchFamily="2" charset="0"/>
-              </a:rPr>
-              <a:t>‘Burrow’ should print to screen</a:t>
-            </a:r>
-          </a:p>
-        </p:txBody>
-      </p:sp>
-      <p:sp>
-        <p:nvSpPr>
-          <p:cNvPr id="6" name="Rectangle 5">
-            <a:extLst>
-              <a:ext uri="{FF2B5EF4-FFF2-40B4-BE49-F238E27FC236}">
-                <a16:creationId xmlns:a16="http://schemas.microsoft.com/office/drawing/2014/main" id="{D59BBFBD-9BEB-1243-BC42-5A02EA92B35E}"/>
-              </a:ext>
-            </a:extLst>
-          </p:cNvPr>
-          <p:cNvSpPr/>
-          <p:nvPr/>
-        </p:nvSpPr>
-        <p:spPr>
-          <a:xfrm>
-            <a:off x="1332303" y="364500"/>
-            <a:ext cx="9910085" cy="584775"/>
-          </a:xfrm>
-          <a:prstGeom prst="rect">
-            <a:avLst/>
-          </a:prstGeom>
-        </p:spPr>
-        <p:txBody>
-          <a:bodyPr wrap="none">
-            <a:spAutoFit/>
-          </a:bodyPr>
-          <a:lstStyle/>
-          <a:p>
-            <a:r>
-              <a:rPr lang="en-US" sz="3200" b="1" dirty="0">
-                <a:solidFill>
-                  <a:srgbClr val="333333"/>
-                </a:solidFill>
-                <a:latin typeface="HELVETICA LIGHT" panose="020B0403020202020204" pitchFamily="34" charset="0"/>
-              </a:rPr>
-              <a:t>Pulling raw input from the command line </a:t>
-            </a:r>
-            <a:r>
-              <a:rPr lang="en-US" sz="3200" b="1" dirty="0">
-                <a:solidFill>
-                  <a:srgbClr val="333333"/>
-                </a:solidFill>
-                <a:latin typeface="Courier" pitchFamily="2" charset="0"/>
-              </a:rPr>
-              <a:t>(input())</a:t>
-            </a:r>
-            <a:endParaRPr lang="en-US" sz="3200" b="1" dirty="0">
-              <a:solidFill>
-                <a:srgbClr val="333333"/>
-              </a:solidFill>
-              <a:effectLst/>
-              <a:latin typeface="Courier" pitchFamily="2" charset="0"/>
-            </a:endParaRPr>
-          </a:p>
-        </p:txBody>
-      </p:sp>
-      <p:sp>
-        <p:nvSpPr>
-          <p:cNvPr id="7" name="TextBox 6">
-            <a:extLst>
-              <a:ext uri="{FF2B5EF4-FFF2-40B4-BE49-F238E27FC236}">
-                <a16:creationId xmlns:a16="http://schemas.microsoft.com/office/drawing/2014/main" id="{A83C82C0-485D-454E-AE1B-2D525EBB7573}"/>
-              </a:ext>
-            </a:extLst>
-          </p:cNvPr>
-          <p:cNvSpPr txBox="1"/>
-          <p:nvPr/>
-        </p:nvSpPr>
-        <p:spPr>
-          <a:xfrm>
-            <a:off x="1332303" y="1302050"/>
-            <a:ext cx="1670650" cy="492443"/>
-          </a:xfrm>
-          <a:prstGeom prst="rect">
-            <a:avLst/>
-          </a:prstGeom>
-          <a:noFill/>
-        </p:spPr>
-        <p:txBody>
-          <a:bodyPr wrap="none" rtlCol="0">
-            <a:spAutoFit/>
-          </a:bodyPr>
-          <a:lstStyle/>
-          <a:p>
-            <a:r>
-              <a:rPr lang="en-US" sz="2600" dirty="0">
-                <a:latin typeface="Helvetica Light" panose="020B0403020202020204" pitchFamily="34" charset="0"/>
-              </a:rPr>
-              <a:t>In Python:</a:t>
-            </a:r>
-          </a:p>
-        </p:txBody>
-      </p:sp>
-      <p:sp>
-        <p:nvSpPr>
-          <p:cNvPr id="8" name="TextBox 7">
-            <a:extLst>
-              <a:ext uri="{FF2B5EF4-FFF2-40B4-BE49-F238E27FC236}">
-                <a16:creationId xmlns:a16="http://schemas.microsoft.com/office/drawing/2014/main" id="{9C8DC85D-EDA8-5C43-BF1B-DCEEE2CD8A89}"/>
-              </a:ext>
-            </a:extLst>
-          </p:cNvPr>
-          <p:cNvSpPr txBox="1"/>
-          <p:nvPr/>
-        </p:nvSpPr>
-        <p:spPr>
-          <a:xfrm>
-            <a:off x="1332303" y="3648197"/>
-            <a:ext cx="3967753" cy="492443"/>
-          </a:xfrm>
-          <a:prstGeom prst="rect">
-            <a:avLst/>
-          </a:prstGeom>
-          <a:noFill/>
-        </p:spPr>
-        <p:txBody>
-          <a:bodyPr wrap="none" rtlCol="0">
-            <a:spAutoFit/>
-          </a:bodyPr>
-          <a:lstStyle/>
-          <a:p>
-            <a:r>
-              <a:rPr lang="en-US" sz="2600" dirty="0">
-                <a:solidFill>
-                  <a:srgbClr val="002060"/>
-                </a:solidFill>
-                <a:latin typeface="Helvetica Light" panose="020B0403020202020204" pitchFamily="34" charset="0"/>
-              </a:rPr>
-              <a:t>At command line prompt:</a:t>
-            </a:r>
-          </a:p>
-        </p:txBody>
-      </p:sp>
-    </p:spTree>
-    <p:extLst>
-      <p:ext uri="{BB962C8B-B14F-4D97-AF65-F5344CB8AC3E}">
-        <p14:creationId xmlns:p14="http://schemas.microsoft.com/office/powerpoint/2010/main" val="20693727"/>
-      </p:ext>
-    </p:extLst>
-  </p:cSld>
-  <p:clrMapOvr>
-    <a:masterClrMapping/>
-  </p:clrMapOvr>
-</p:sld>
-</file>
-
-<file path=ppt/slides/slide12.xml><?xml version="1.0" encoding="utf-8"?>
-<p:sld xmlns:a="http://schemas.openxmlformats.org/drawingml/2006/main" xmlns:r="http://schemas.openxmlformats.org/officeDocument/2006/relationships" xmlns:p="http://schemas.openxmlformats.org/presentationml/2006/main">
-  <p:cSld>
-    <p:spTree>
-      <p:nvGrpSpPr>
-        <p:cNvPr id="1" name=""/>
-        <p:cNvGrpSpPr/>
-        <p:nvPr/>
-      </p:nvGrpSpPr>
-      <p:grpSpPr>
-        <a:xfrm>
-          <a:off x="0" y="0"/>
-          <a:ext cx="0" cy="0"/>
-          <a:chOff x="0" y="0"/>
-          <a:chExt cx="0" cy="0"/>
-        </a:xfrm>
-      </p:grpSpPr>
-      <p:sp>
-        <p:nvSpPr>
-          <p:cNvPr id="2" name="TextBox 1">
-            <a:extLst>
-              <a:ext uri="{FF2B5EF4-FFF2-40B4-BE49-F238E27FC236}">
-                <a16:creationId xmlns:a16="http://schemas.microsoft.com/office/drawing/2014/main" id="{F2506A35-DA43-FB4C-BEF3-FE4EEC3D95B4}"/>
-              </a:ext>
-            </a:extLst>
-          </p:cNvPr>
-          <p:cNvSpPr txBox="1"/>
-          <p:nvPr/>
-        </p:nvSpPr>
-        <p:spPr>
-          <a:xfrm>
-            <a:off x="882925" y="433160"/>
-            <a:ext cx="1999265" cy="553998"/>
-          </a:xfrm>
-          <a:prstGeom prst="rect">
-            <a:avLst/>
-          </a:prstGeom>
-          <a:noFill/>
-        </p:spPr>
-        <p:txBody>
-          <a:bodyPr wrap="none" rtlCol="0">
-            <a:spAutoFit/>
-          </a:bodyPr>
-          <a:lstStyle/>
-          <a:p>
-            <a:r>
-              <a:rPr lang="en-US" sz="3000" dirty="0">
-                <a:latin typeface="Helvetica Light" panose="020B0403020202020204" pitchFamily="34" charset="0"/>
-              </a:rPr>
-              <a:t>This week:</a:t>
-            </a:r>
-          </a:p>
-        </p:txBody>
-      </p:sp>
-      <p:sp>
-        <p:nvSpPr>
-          <p:cNvPr id="3" name="TextBox 2">
-            <a:extLst>
-              <a:ext uri="{FF2B5EF4-FFF2-40B4-BE49-F238E27FC236}">
-                <a16:creationId xmlns:a16="http://schemas.microsoft.com/office/drawing/2014/main" id="{26A6A57C-3E55-AB49-8F7A-BD8712B63F69}"/>
-              </a:ext>
-            </a:extLst>
-          </p:cNvPr>
-          <p:cNvSpPr txBox="1"/>
-          <p:nvPr/>
-        </p:nvSpPr>
-        <p:spPr>
-          <a:xfrm>
-            <a:off x="882925" y="1381539"/>
-            <a:ext cx="10267121" cy="3293209"/>
-          </a:xfrm>
-          <a:prstGeom prst="rect">
-            <a:avLst/>
-          </a:prstGeom>
-          <a:noFill/>
-        </p:spPr>
-        <p:txBody>
-          <a:bodyPr wrap="square" rtlCol="0">
-            <a:spAutoFit/>
-          </a:bodyPr>
-          <a:lstStyle/>
-          <a:p>
-            <a:pPr marL="514350" indent="-514350">
-              <a:buAutoNum type="arabicPeriod"/>
-            </a:pPr>
-            <a:r>
-              <a:rPr lang="en-US" sz="2600" dirty="0">
-                <a:latin typeface="Helvetica Light" panose="020B0403020202020204" pitchFamily="34" charset="0"/>
-              </a:rPr>
-              <a:t>Read through chapter 8 (*</a:t>
-            </a:r>
-            <a:r>
-              <a:rPr lang="en-US" sz="2100" dirty="0">
-                <a:latin typeface="Helvetica Light" panose="020B0403020202020204" pitchFamily="34" charset="0"/>
-              </a:rPr>
-              <a:t>note PythonLesson1_Chapter8.docx under week6 is updated to reflect python3</a:t>
-            </a:r>
-            <a:r>
-              <a:rPr lang="en-US" sz="2600" dirty="0">
-                <a:latin typeface="Helvetica Light" panose="020B0403020202020204" pitchFamily="34" charset="0"/>
-              </a:rPr>
-              <a:t>).</a:t>
-            </a:r>
-          </a:p>
-          <a:p>
-            <a:pPr marL="514350" indent="-514350">
-              <a:buAutoNum type="arabicPeriod"/>
-            </a:pPr>
-            <a:endParaRPr lang="en-US" sz="2600" dirty="0">
-              <a:latin typeface="Helvetica Light" panose="020B0403020202020204" pitchFamily="34" charset="0"/>
-            </a:endParaRPr>
-          </a:p>
-          <a:p>
-            <a:pPr marL="514350" indent="-514350">
-              <a:buAutoNum type="arabicPeriod"/>
-            </a:pPr>
-            <a:r>
-              <a:rPr lang="en-US" sz="2600" dirty="0">
-                <a:latin typeface="Helvetica Light" panose="020B0403020202020204" pitchFamily="34" charset="0"/>
-              </a:rPr>
-              <a:t>Write the script specified in the chapter as you go through it</a:t>
-            </a:r>
-          </a:p>
-          <a:p>
-            <a:pPr marL="514350" indent="-514350">
-              <a:buAutoNum type="arabicPeriod"/>
-            </a:pPr>
-            <a:endParaRPr lang="en-US" sz="2600" dirty="0">
-              <a:latin typeface="Helvetica Light" panose="020B0403020202020204" pitchFamily="34" charset="0"/>
-            </a:endParaRPr>
-          </a:p>
-          <a:p>
-            <a:pPr marL="514350" indent="-514350">
-              <a:buAutoNum type="arabicPeriod"/>
-            </a:pPr>
-            <a:r>
-              <a:rPr lang="en-US" sz="2600" dirty="0">
-                <a:latin typeface="Helvetica Light" panose="020B0403020202020204" pitchFamily="34" charset="0"/>
-              </a:rPr>
-              <a:t>python_1_primer.md, assignment_pyton1.md</a:t>
-            </a:r>
-          </a:p>
-          <a:p>
-            <a:pPr marL="514350" indent="-514350">
-              <a:buAutoNum type="arabicPeriod"/>
-            </a:pPr>
-            <a:endParaRPr lang="en-US" sz="2600" dirty="0">
-              <a:latin typeface="Helvetica Light" panose="020B0403020202020204" pitchFamily="34" charset="0"/>
-            </a:endParaRPr>
-          </a:p>
-          <a:p>
-            <a:pPr marL="514350" indent="-514350">
-              <a:buAutoNum type="arabicPeriod"/>
-            </a:pPr>
-            <a:r>
-              <a:rPr lang="en-US" sz="2600" dirty="0">
-                <a:latin typeface="Helvetica Light" panose="020B0403020202020204" pitchFamily="34" charset="0"/>
-              </a:rPr>
-              <a:t>Email me script for </a:t>
-            </a:r>
-            <a:r>
-              <a:rPr lang="en-US" sz="2600" b="1" dirty="0">
-                <a:latin typeface="Helvetica Light" panose="020B0403020202020204" pitchFamily="34" charset="0"/>
-              </a:rPr>
-              <a:t>#3 </a:t>
-            </a:r>
-            <a:r>
-              <a:rPr lang="en-US" sz="2600" dirty="0">
-                <a:latin typeface="Helvetica Light" panose="020B0403020202020204" pitchFamily="34" charset="0"/>
-              </a:rPr>
-              <a:t>only.</a:t>
-            </a:r>
-          </a:p>
-        </p:txBody>
-      </p:sp>
-      <p:sp>
-        <p:nvSpPr>
-          <p:cNvPr id="4" name="TextBox 3">
-            <a:extLst>
-              <a:ext uri="{FF2B5EF4-FFF2-40B4-BE49-F238E27FC236}">
-                <a16:creationId xmlns:a16="http://schemas.microsoft.com/office/drawing/2014/main" id="{8B2F650B-8D6C-4741-BB29-74826F1F6CC7}"/>
-              </a:ext>
-            </a:extLst>
-          </p:cNvPr>
-          <p:cNvSpPr txBox="1"/>
-          <p:nvPr/>
-        </p:nvSpPr>
-        <p:spPr>
-          <a:xfrm>
-            <a:off x="882924" y="5069129"/>
-            <a:ext cx="2085827" cy="553998"/>
-          </a:xfrm>
-          <a:prstGeom prst="rect">
-            <a:avLst/>
-          </a:prstGeom>
-          <a:noFill/>
-        </p:spPr>
-        <p:txBody>
-          <a:bodyPr wrap="none" rtlCol="0">
-            <a:spAutoFit/>
-          </a:bodyPr>
-          <a:lstStyle/>
-          <a:p>
-            <a:r>
-              <a:rPr lang="en-US" sz="3000" dirty="0">
-                <a:latin typeface="Helvetica Light" panose="020B0403020202020204" pitchFamily="34" charset="0"/>
-              </a:rPr>
-              <a:t>Next week:</a:t>
-            </a:r>
-          </a:p>
-        </p:txBody>
-      </p:sp>
-      <p:sp>
-        <p:nvSpPr>
-          <p:cNvPr id="6" name="TextBox 5">
-            <a:extLst>
-              <a:ext uri="{FF2B5EF4-FFF2-40B4-BE49-F238E27FC236}">
-                <a16:creationId xmlns:a16="http://schemas.microsoft.com/office/drawing/2014/main" id="{2C6384E4-4E42-FA41-BC9C-1CEB2899F41A}"/>
-              </a:ext>
-            </a:extLst>
-          </p:cNvPr>
-          <p:cNvSpPr txBox="1"/>
-          <p:nvPr/>
-        </p:nvSpPr>
-        <p:spPr>
-          <a:xfrm>
-            <a:off x="882924" y="5932397"/>
-            <a:ext cx="10267121" cy="492443"/>
-          </a:xfrm>
-          <a:prstGeom prst="rect">
-            <a:avLst/>
-          </a:prstGeom>
-          <a:noFill/>
-        </p:spPr>
-        <p:txBody>
-          <a:bodyPr wrap="square" rtlCol="0">
-            <a:spAutoFit/>
-          </a:bodyPr>
-          <a:lstStyle/>
-          <a:p>
-            <a:pPr marL="514350" indent="-514350">
-              <a:buAutoNum type="arabicPeriod"/>
-            </a:pPr>
-            <a:r>
-              <a:rPr lang="en-US" sz="2600" dirty="0">
-                <a:latin typeface="Helvetica Light" panose="020B0403020202020204" pitchFamily="34" charset="0"/>
-              </a:rPr>
-              <a:t>Chapter 9: lists, conditionals, loops </a:t>
-            </a:r>
-          </a:p>
-        </p:txBody>
-      </p:sp>
-    </p:spTree>
-    <p:extLst>
-      <p:ext uri="{BB962C8B-B14F-4D97-AF65-F5344CB8AC3E}">
-        <p14:creationId xmlns:p14="http://schemas.microsoft.com/office/powerpoint/2010/main" val="1633021312"/>
-      </p:ext>
-    </p:extLst>
-  </p:cSld>
-  <p:clrMapOvr>
-    <a:masterClrMapping/>
-  </p:clrMapOvr>
-</p:sld>
-</file>
-
 <file path=ppt/slides/slide13.xml><?xml version="1.0" encoding="utf-8"?>
 <p:sld xmlns:a="http://schemas.openxmlformats.org/drawingml/2006/main" xmlns:r="http://schemas.openxmlformats.org/officeDocument/2006/relationships" xmlns:p="http://schemas.openxmlformats.org/presentationml/2006/main">
   <p:cSld>
@@ -5255,6 +5338,561 @@
       </p:grpSpPr>
       <p:sp>
         <p:nvSpPr>
+          <p:cNvPr id="2" name="Rectangle 1">
+            <a:extLst>
+              <a:ext uri="{FF2B5EF4-FFF2-40B4-BE49-F238E27FC236}">
+                <a16:creationId xmlns:a16="http://schemas.microsoft.com/office/drawing/2014/main" id="{61C2B915-E064-284F-A5DB-4F28686FADAB}"/>
+              </a:ext>
+            </a:extLst>
+          </p:cNvPr>
+          <p:cNvSpPr/>
+          <p:nvPr/>
+        </p:nvSpPr>
+        <p:spPr>
+          <a:xfrm>
+            <a:off x="1397876" y="1836321"/>
+            <a:ext cx="7924800" cy="1292662"/>
+          </a:xfrm>
+          <a:prstGeom prst="rect">
+            <a:avLst/>
+          </a:prstGeom>
+          <a:ln>
+            <a:solidFill>
+              <a:schemeClr val="accent1"/>
+            </a:solidFill>
+          </a:ln>
+        </p:spPr>
+        <p:txBody>
+          <a:bodyPr wrap="square">
+            <a:spAutoFit/>
+          </a:bodyPr>
+          <a:lstStyle/>
+          <a:p>
+            <a:r>
+              <a:rPr lang="en-US" sz="2600" dirty="0">
+                <a:latin typeface="Courier" pitchFamily="2" charset="0"/>
+              </a:rPr>
+              <a:t>name3 = input("Enter a string: ")</a:t>
+            </a:r>
+          </a:p>
+          <a:p>
+            <a:endParaRPr lang="en-US" sz="2600" dirty="0">
+              <a:latin typeface="Courier" pitchFamily="2" charset="0"/>
+            </a:endParaRPr>
+          </a:p>
+          <a:p>
+            <a:r>
+              <a:rPr lang="en-US" sz="2600" dirty="0">
+                <a:latin typeface="Courier" pitchFamily="2" charset="0"/>
+              </a:rPr>
+              <a:t>print(name3)</a:t>
+            </a:r>
+          </a:p>
+        </p:txBody>
+      </p:sp>
+      <p:sp>
+        <p:nvSpPr>
+          <p:cNvPr id="3" name="Rectangle 2">
+            <a:extLst>
+              <a:ext uri="{FF2B5EF4-FFF2-40B4-BE49-F238E27FC236}">
+                <a16:creationId xmlns:a16="http://schemas.microsoft.com/office/drawing/2014/main" id="{D446C60C-2780-A249-BFE2-FA1D120D6DB6}"/>
+              </a:ext>
+            </a:extLst>
+          </p:cNvPr>
+          <p:cNvSpPr/>
+          <p:nvPr/>
+        </p:nvSpPr>
+        <p:spPr>
+          <a:xfrm>
+            <a:off x="1397876" y="4140640"/>
+            <a:ext cx="7924800" cy="2092881"/>
+          </a:xfrm>
+          <a:prstGeom prst="rect">
+            <a:avLst/>
+          </a:prstGeom>
+          <a:ln>
+            <a:solidFill>
+              <a:schemeClr val="accent1"/>
+            </a:solidFill>
+          </a:ln>
+        </p:spPr>
+        <p:txBody>
+          <a:bodyPr wrap="square">
+            <a:spAutoFit/>
+          </a:bodyPr>
+          <a:lstStyle/>
+          <a:p>
+            <a:r>
+              <a:rPr lang="en-US" sz="2600" dirty="0">
+                <a:solidFill>
+                  <a:srgbClr val="002060"/>
+                </a:solidFill>
+                <a:latin typeface="Courier" pitchFamily="2" charset="0"/>
+              </a:rPr>
+              <a:t>‘Enter a string: ‘ prompt will appear at command line. Type a string</a:t>
+            </a:r>
+          </a:p>
+          <a:p>
+            <a:endParaRPr lang="en-US" sz="2600" dirty="0">
+              <a:solidFill>
+                <a:srgbClr val="002060"/>
+              </a:solidFill>
+              <a:latin typeface="Courier" pitchFamily="2" charset="0"/>
+            </a:endParaRPr>
+          </a:p>
+          <a:p>
+            <a:r>
+              <a:rPr lang="en-US" sz="2600" dirty="0">
+                <a:solidFill>
+                  <a:srgbClr val="002060"/>
+                </a:solidFill>
+                <a:latin typeface="Courier" pitchFamily="2" charset="0"/>
+              </a:rPr>
+              <a:t>If ‘Burrow’ is typed and Enter hit,</a:t>
+            </a:r>
+          </a:p>
+          <a:p>
+            <a:r>
+              <a:rPr lang="en-US" sz="2600" dirty="0">
+                <a:solidFill>
+                  <a:srgbClr val="002060"/>
+                </a:solidFill>
+                <a:latin typeface="Courier" pitchFamily="2" charset="0"/>
+              </a:rPr>
+              <a:t>‘Burrow’ should print to screen</a:t>
+            </a:r>
+          </a:p>
+        </p:txBody>
+      </p:sp>
+      <p:sp>
+        <p:nvSpPr>
+          <p:cNvPr id="6" name="Rectangle 5">
+            <a:extLst>
+              <a:ext uri="{FF2B5EF4-FFF2-40B4-BE49-F238E27FC236}">
+                <a16:creationId xmlns:a16="http://schemas.microsoft.com/office/drawing/2014/main" id="{D59BBFBD-9BEB-1243-BC42-5A02EA92B35E}"/>
+              </a:ext>
+            </a:extLst>
+          </p:cNvPr>
+          <p:cNvSpPr/>
+          <p:nvPr/>
+        </p:nvSpPr>
+        <p:spPr>
+          <a:xfrm>
+            <a:off x="1332303" y="364500"/>
+            <a:ext cx="9910085" cy="584775"/>
+          </a:xfrm>
+          <a:prstGeom prst="rect">
+            <a:avLst/>
+          </a:prstGeom>
+        </p:spPr>
+        <p:txBody>
+          <a:bodyPr wrap="none">
+            <a:spAutoFit/>
+          </a:bodyPr>
+          <a:lstStyle/>
+          <a:p>
+            <a:r>
+              <a:rPr lang="en-US" sz="3200" b="1" dirty="0">
+                <a:solidFill>
+                  <a:srgbClr val="333333"/>
+                </a:solidFill>
+                <a:latin typeface="HELVETICA LIGHT" panose="020B0403020202020204" pitchFamily="34" charset="0"/>
+              </a:rPr>
+              <a:t>Pulling raw input from the command line </a:t>
+            </a:r>
+            <a:r>
+              <a:rPr lang="en-US" sz="3200" b="1" dirty="0">
+                <a:solidFill>
+                  <a:srgbClr val="333333"/>
+                </a:solidFill>
+                <a:latin typeface="Courier" pitchFamily="2" charset="0"/>
+              </a:rPr>
+              <a:t>(input())</a:t>
+            </a:r>
+            <a:endParaRPr lang="en-US" sz="3200" b="1" dirty="0">
+              <a:solidFill>
+                <a:srgbClr val="333333"/>
+              </a:solidFill>
+              <a:effectLst/>
+              <a:latin typeface="Courier" pitchFamily="2" charset="0"/>
+            </a:endParaRPr>
+          </a:p>
+        </p:txBody>
+      </p:sp>
+      <p:sp>
+        <p:nvSpPr>
+          <p:cNvPr id="7" name="TextBox 6">
+            <a:extLst>
+              <a:ext uri="{FF2B5EF4-FFF2-40B4-BE49-F238E27FC236}">
+                <a16:creationId xmlns:a16="http://schemas.microsoft.com/office/drawing/2014/main" id="{A83C82C0-485D-454E-AE1B-2D525EBB7573}"/>
+              </a:ext>
+            </a:extLst>
+          </p:cNvPr>
+          <p:cNvSpPr txBox="1"/>
+          <p:nvPr/>
+        </p:nvSpPr>
+        <p:spPr>
+          <a:xfrm>
+            <a:off x="1332303" y="1302050"/>
+            <a:ext cx="1670650" cy="492443"/>
+          </a:xfrm>
+          <a:prstGeom prst="rect">
+            <a:avLst/>
+          </a:prstGeom>
+          <a:noFill/>
+        </p:spPr>
+        <p:txBody>
+          <a:bodyPr wrap="none" rtlCol="0">
+            <a:spAutoFit/>
+          </a:bodyPr>
+          <a:lstStyle/>
+          <a:p>
+            <a:r>
+              <a:rPr lang="en-US" sz="2600" dirty="0">
+                <a:latin typeface="Helvetica Light" panose="020B0403020202020204" pitchFamily="34" charset="0"/>
+              </a:rPr>
+              <a:t>In Python:</a:t>
+            </a:r>
+          </a:p>
+        </p:txBody>
+      </p:sp>
+      <p:sp>
+        <p:nvSpPr>
+          <p:cNvPr id="8" name="TextBox 7">
+            <a:extLst>
+              <a:ext uri="{FF2B5EF4-FFF2-40B4-BE49-F238E27FC236}">
+                <a16:creationId xmlns:a16="http://schemas.microsoft.com/office/drawing/2014/main" id="{9C8DC85D-EDA8-5C43-BF1B-DCEEE2CD8A89}"/>
+              </a:ext>
+            </a:extLst>
+          </p:cNvPr>
+          <p:cNvSpPr txBox="1"/>
+          <p:nvPr/>
+        </p:nvSpPr>
+        <p:spPr>
+          <a:xfrm>
+            <a:off x="1332303" y="3648197"/>
+            <a:ext cx="3967753" cy="492443"/>
+          </a:xfrm>
+          <a:prstGeom prst="rect">
+            <a:avLst/>
+          </a:prstGeom>
+          <a:noFill/>
+        </p:spPr>
+        <p:txBody>
+          <a:bodyPr wrap="none" rtlCol="0">
+            <a:spAutoFit/>
+          </a:bodyPr>
+          <a:lstStyle/>
+          <a:p>
+            <a:r>
+              <a:rPr lang="en-US" sz="2600" dirty="0">
+                <a:solidFill>
+                  <a:srgbClr val="002060"/>
+                </a:solidFill>
+                <a:latin typeface="Helvetica Light" panose="020B0403020202020204" pitchFamily="34" charset="0"/>
+              </a:rPr>
+              <a:t>At command line prompt:</a:t>
+            </a:r>
+          </a:p>
+        </p:txBody>
+      </p:sp>
+    </p:spTree>
+    <p:extLst>
+      <p:ext uri="{BB962C8B-B14F-4D97-AF65-F5344CB8AC3E}">
+        <p14:creationId xmlns:p14="http://schemas.microsoft.com/office/powerpoint/2010/main" val="20693727"/>
+      </p:ext>
+    </p:extLst>
+  </p:cSld>
+  <p:clrMapOvr>
+    <a:masterClrMapping/>
+  </p:clrMapOvr>
+</p:sld>
+</file>
+
+<file path=ppt/slides/slide14.xml><?xml version="1.0" encoding="utf-8"?>
+<p:sld xmlns:a="http://schemas.openxmlformats.org/drawingml/2006/main" xmlns:r="http://schemas.openxmlformats.org/officeDocument/2006/relationships" xmlns:p="http://schemas.openxmlformats.org/presentationml/2006/main">
+  <p:cSld>
+    <p:spTree>
+      <p:nvGrpSpPr>
+        <p:cNvPr id="1" name=""/>
+        <p:cNvGrpSpPr/>
+        <p:nvPr/>
+      </p:nvGrpSpPr>
+      <p:grpSpPr>
+        <a:xfrm>
+          <a:off x="0" y="0"/>
+          <a:ext cx="0" cy="0"/>
+          <a:chOff x="0" y="0"/>
+          <a:chExt cx="0" cy="0"/>
+        </a:xfrm>
+      </p:grpSpPr>
+      <p:sp>
+        <p:nvSpPr>
+          <p:cNvPr id="2" name="TextBox 1">
+            <a:extLst>
+              <a:ext uri="{FF2B5EF4-FFF2-40B4-BE49-F238E27FC236}">
+                <a16:creationId xmlns:a16="http://schemas.microsoft.com/office/drawing/2014/main" id="{F2506A35-DA43-FB4C-BEF3-FE4EEC3D95B4}"/>
+              </a:ext>
+            </a:extLst>
+          </p:cNvPr>
+          <p:cNvSpPr txBox="1"/>
+          <p:nvPr/>
+        </p:nvSpPr>
+        <p:spPr>
+          <a:xfrm>
+            <a:off x="882925" y="433160"/>
+            <a:ext cx="1999265" cy="553998"/>
+          </a:xfrm>
+          <a:prstGeom prst="rect">
+            <a:avLst/>
+          </a:prstGeom>
+          <a:noFill/>
+        </p:spPr>
+        <p:txBody>
+          <a:bodyPr wrap="none" rtlCol="0">
+            <a:spAutoFit/>
+          </a:bodyPr>
+          <a:lstStyle/>
+          <a:p>
+            <a:r>
+              <a:rPr lang="en-US" sz="3000" dirty="0">
+                <a:latin typeface="Helvetica Light" panose="020B0403020202020204" pitchFamily="34" charset="0"/>
+              </a:rPr>
+              <a:t>This week:</a:t>
+            </a:r>
+          </a:p>
+        </p:txBody>
+      </p:sp>
+      <p:sp>
+        <p:nvSpPr>
+          <p:cNvPr id="3" name="TextBox 2">
+            <a:extLst>
+              <a:ext uri="{FF2B5EF4-FFF2-40B4-BE49-F238E27FC236}">
+                <a16:creationId xmlns:a16="http://schemas.microsoft.com/office/drawing/2014/main" id="{26A6A57C-3E55-AB49-8F7A-BD8712B63F69}"/>
+              </a:ext>
+            </a:extLst>
+          </p:cNvPr>
+          <p:cNvSpPr txBox="1"/>
+          <p:nvPr/>
+        </p:nvSpPr>
+        <p:spPr>
+          <a:xfrm>
+            <a:off x="882925" y="1381539"/>
+            <a:ext cx="10267121" cy="3293209"/>
+          </a:xfrm>
+          <a:prstGeom prst="rect">
+            <a:avLst/>
+          </a:prstGeom>
+          <a:noFill/>
+        </p:spPr>
+        <p:txBody>
+          <a:bodyPr wrap="square" rtlCol="0">
+            <a:spAutoFit/>
+          </a:bodyPr>
+          <a:lstStyle/>
+          <a:p>
+            <a:pPr marL="514350" indent="-514350">
+              <a:buAutoNum type="arabicPeriod"/>
+            </a:pPr>
+            <a:r>
+              <a:rPr lang="en-US" sz="2600" dirty="0">
+                <a:latin typeface="Helvetica Light" panose="020B0403020202020204" pitchFamily="34" charset="0"/>
+              </a:rPr>
+              <a:t>Read through chapter 8 (*</a:t>
+            </a:r>
+            <a:r>
+              <a:rPr lang="en-US" sz="2100" dirty="0">
+                <a:latin typeface="Helvetica Light" panose="020B0403020202020204" pitchFamily="34" charset="0"/>
+              </a:rPr>
+              <a:t>note PythonLesson1_Chapter8.docx under week6 is updated to reflect python3</a:t>
+            </a:r>
+            <a:r>
+              <a:rPr lang="en-US" sz="2600" dirty="0">
+                <a:latin typeface="Helvetica Light" panose="020B0403020202020204" pitchFamily="34" charset="0"/>
+              </a:rPr>
+              <a:t>).</a:t>
+            </a:r>
+          </a:p>
+          <a:p>
+            <a:pPr marL="514350" indent="-514350">
+              <a:buAutoNum type="arabicPeriod"/>
+            </a:pPr>
+            <a:endParaRPr lang="en-US" sz="2600" dirty="0">
+              <a:latin typeface="Helvetica Light" panose="020B0403020202020204" pitchFamily="34" charset="0"/>
+            </a:endParaRPr>
+          </a:p>
+          <a:p>
+            <a:pPr marL="514350" indent="-514350">
+              <a:buAutoNum type="arabicPeriod"/>
+            </a:pPr>
+            <a:r>
+              <a:rPr lang="en-US" sz="2600" dirty="0">
+                <a:latin typeface="Helvetica Light" panose="020B0403020202020204" pitchFamily="34" charset="0"/>
+              </a:rPr>
+              <a:t>Write the script specified in the chapter as you go through it</a:t>
+            </a:r>
+          </a:p>
+          <a:p>
+            <a:pPr marL="514350" indent="-514350">
+              <a:buAutoNum type="arabicPeriod"/>
+            </a:pPr>
+            <a:endParaRPr lang="en-US" sz="2600" dirty="0">
+              <a:latin typeface="Helvetica Light" panose="020B0403020202020204" pitchFamily="34" charset="0"/>
+            </a:endParaRPr>
+          </a:p>
+          <a:p>
+            <a:pPr marL="514350" indent="-514350">
+              <a:buAutoNum type="arabicPeriod"/>
+            </a:pPr>
+            <a:r>
+              <a:rPr lang="en-US" sz="2600" dirty="0">
+                <a:latin typeface="Helvetica Light" panose="020B0403020202020204" pitchFamily="34" charset="0"/>
+              </a:rPr>
+              <a:t>python_1_primer.md, assignment_pyton1.md</a:t>
+            </a:r>
+          </a:p>
+          <a:p>
+            <a:pPr marL="514350" indent="-514350">
+              <a:buAutoNum type="arabicPeriod"/>
+            </a:pPr>
+            <a:endParaRPr lang="en-US" sz="2600" dirty="0">
+              <a:latin typeface="Helvetica Light" panose="020B0403020202020204" pitchFamily="34" charset="0"/>
+            </a:endParaRPr>
+          </a:p>
+          <a:p>
+            <a:pPr marL="514350" indent="-514350">
+              <a:buAutoNum type="arabicPeriod"/>
+            </a:pPr>
+            <a:r>
+              <a:rPr lang="en-US" sz="2600" dirty="0">
+                <a:latin typeface="Helvetica Light" panose="020B0403020202020204" pitchFamily="34" charset="0"/>
+              </a:rPr>
+              <a:t>Email me script for </a:t>
+            </a:r>
+            <a:r>
+              <a:rPr lang="en-US" sz="2600" b="1" dirty="0">
+                <a:latin typeface="Helvetica Light" panose="020B0403020202020204" pitchFamily="34" charset="0"/>
+              </a:rPr>
+              <a:t>#3 </a:t>
+            </a:r>
+            <a:r>
+              <a:rPr lang="en-US" sz="2600" dirty="0">
+                <a:latin typeface="Helvetica Light" panose="020B0403020202020204" pitchFamily="34" charset="0"/>
+              </a:rPr>
+              <a:t>only.</a:t>
+            </a:r>
+          </a:p>
+        </p:txBody>
+      </p:sp>
+      <p:sp>
+        <p:nvSpPr>
+          <p:cNvPr id="4" name="TextBox 3">
+            <a:extLst>
+              <a:ext uri="{FF2B5EF4-FFF2-40B4-BE49-F238E27FC236}">
+                <a16:creationId xmlns:a16="http://schemas.microsoft.com/office/drawing/2014/main" id="{8B2F650B-8D6C-4741-BB29-74826F1F6CC7}"/>
+              </a:ext>
+            </a:extLst>
+          </p:cNvPr>
+          <p:cNvSpPr txBox="1"/>
+          <p:nvPr/>
+        </p:nvSpPr>
+        <p:spPr>
+          <a:xfrm>
+            <a:off x="882924" y="5069129"/>
+            <a:ext cx="2085827" cy="553998"/>
+          </a:xfrm>
+          <a:prstGeom prst="rect">
+            <a:avLst/>
+          </a:prstGeom>
+          <a:noFill/>
+        </p:spPr>
+        <p:txBody>
+          <a:bodyPr wrap="none" rtlCol="0">
+            <a:spAutoFit/>
+          </a:bodyPr>
+          <a:lstStyle/>
+          <a:p>
+            <a:r>
+              <a:rPr lang="en-US" sz="3000" dirty="0">
+                <a:latin typeface="Helvetica Light" panose="020B0403020202020204" pitchFamily="34" charset="0"/>
+              </a:rPr>
+              <a:t>Next week:</a:t>
+            </a:r>
+          </a:p>
+        </p:txBody>
+      </p:sp>
+      <p:sp>
+        <p:nvSpPr>
+          <p:cNvPr id="6" name="TextBox 5">
+            <a:extLst>
+              <a:ext uri="{FF2B5EF4-FFF2-40B4-BE49-F238E27FC236}">
+                <a16:creationId xmlns:a16="http://schemas.microsoft.com/office/drawing/2014/main" id="{2C6384E4-4E42-FA41-BC9C-1CEB2899F41A}"/>
+              </a:ext>
+            </a:extLst>
+          </p:cNvPr>
+          <p:cNvSpPr txBox="1"/>
+          <p:nvPr/>
+        </p:nvSpPr>
+        <p:spPr>
+          <a:xfrm>
+            <a:off x="882924" y="5932397"/>
+            <a:ext cx="10267121" cy="492443"/>
+          </a:xfrm>
+          <a:prstGeom prst="rect">
+            <a:avLst/>
+          </a:prstGeom>
+          <a:noFill/>
+        </p:spPr>
+        <p:txBody>
+          <a:bodyPr wrap="square" rtlCol="0">
+            <a:spAutoFit/>
+          </a:bodyPr>
+          <a:lstStyle/>
+          <a:p>
+            <a:pPr marL="514350" indent="-514350">
+              <a:buAutoNum type="arabicPeriod"/>
+            </a:pPr>
+            <a:r>
+              <a:rPr lang="en-US" sz="2600" dirty="0">
+                <a:latin typeface="Helvetica Light" panose="020B0403020202020204" pitchFamily="34" charset="0"/>
+              </a:rPr>
+              <a:t>Chapter 9: lists, conditionals, loops </a:t>
+            </a:r>
+          </a:p>
+        </p:txBody>
+      </p:sp>
+    </p:spTree>
+    <p:extLst>
+      <p:ext uri="{BB962C8B-B14F-4D97-AF65-F5344CB8AC3E}">
+        <p14:creationId xmlns:p14="http://schemas.microsoft.com/office/powerpoint/2010/main" val="1633021312"/>
+      </p:ext>
+    </p:extLst>
+  </p:cSld>
+  <p:clrMapOvr>
+    <a:masterClrMapping/>
+  </p:clrMapOvr>
+</p:sld>
+</file>
+
+<file path=ppt/slides/slide15.xml><?xml version="1.0" encoding="utf-8"?>
+<p:sld xmlns:a="http://schemas.openxmlformats.org/drawingml/2006/main" xmlns:r="http://schemas.openxmlformats.org/officeDocument/2006/relationships" xmlns:p="http://schemas.openxmlformats.org/presentationml/2006/main">
+  <p:cSld>
+    <p:spTree>
+      <p:nvGrpSpPr>
+        <p:cNvPr id="1" name=""/>
+        <p:cNvGrpSpPr/>
+        <p:nvPr/>
+      </p:nvGrpSpPr>
+      <p:grpSpPr>
+        <a:xfrm>
+          <a:off x="0" y="0"/>
+          <a:ext cx="0" cy="0"/>
+          <a:chOff x="0" y="0"/>
+          <a:chExt cx="0" cy="0"/>
+        </a:xfrm>
+      </p:grpSpPr>
+      <p:sp>
+        <p:nvSpPr>
           <p:cNvPr id="2" name="TextBox 1">
             <a:extLst>
               <a:ext uri="{FF2B5EF4-FFF2-40B4-BE49-F238E27FC236}">
@@ -5305,7 +5943,7 @@
         <p:spPr>
           <a:xfrm>
             <a:off x="496276" y="1002094"/>
-            <a:ext cx="11390924" cy="6848029"/>
+            <a:ext cx="11390924" cy="6355586"/>
           </a:xfrm>
           <a:prstGeom prst="rect">
             <a:avLst/>
@@ -5322,7 +5960,7 @@
               <a:rPr lang="en-US" sz="2300" b="1" dirty="0">
                 <a:latin typeface="Helvetica Light" panose="020B0403020202020204" pitchFamily="34" charset="0"/>
               </a:rPr>
-              <a:t>I.1-2 pager independent project description along with python3 assignment next week (by 10/18)</a:t>
+              <a:t>I.1-2 pager independent project description along with python3 assignment next week (by 10/19)</a:t>
             </a:r>
           </a:p>
           <a:p>
@@ -5342,7 +5980,7 @@
             </a:r>
           </a:p>
           <a:p>
-            <a:endParaRPr lang="en-US" sz="2300" dirty="0">
+            <a:endParaRPr lang="en-US" sz="2000" dirty="0">
               <a:latin typeface="Helvetica Light" panose="020B0403020202020204" pitchFamily="34" charset="0"/>
             </a:endParaRPr>
           </a:p>
@@ -5352,46 +5990,40 @@
               <a:buChar char="-"/>
             </a:pPr>
             <a:r>
-              <a:rPr lang="en-US" sz="2300" dirty="0">
+              <a:rPr lang="en-US" sz="2000" dirty="0">
                 <a:latin typeface="Helvetica Light" panose="020B0403020202020204" pitchFamily="34" charset="0"/>
               </a:rPr>
               <a:t>Build a </a:t>
             </a:r>
             <a:r>
-              <a:rPr lang="en-US" sz="2300" b="1" dirty="0" err="1">
+              <a:rPr lang="en-US" sz="2000" b="1" dirty="0" err="1">
                 <a:latin typeface="Helvetica Light" panose="020B0403020202020204" pitchFamily="34" charset="0"/>
               </a:rPr>
               <a:t>jupyter</a:t>
             </a:r>
             <a:r>
-              <a:rPr lang="en-US" sz="2300" b="1" dirty="0">
+              <a:rPr lang="en-US" sz="2000" b="1" dirty="0">
                 <a:latin typeface="Helvetica Light" panose="020B0403020202020204" pitchFamily="34" charset="0"/>
               </a:rPr>
               <a:t> notebook </a:t>
             </a:r>
             <a:r>
-              <a:rPr lang="en-US" sz="2300" dirty="0">
+              <a:rPr lang="en-US" sz="2000" dirty="0">
                 <a:latin typeface="Helvetica Light" panose="020B0403020202020204" pitchFamily="34" charset="0"/>
               </a:rPr>
               <a:t>or </a:t>
             </a:r>
             <a:r>
-              <a:rPr lang="en-US" sz="2300" b="1" dirty="0" err="1">
+              <a:rPr lang="en-US" sz="2000" b="1" dirty="0" err="1">
                 <a:latin typeface="Helvetica Light" panose="020B0403020202020204" pitchFamily="34" charset="0"/>
               </a:rPr>
               <a:t>Rmd</a:t>
             </a:r>
             <a:r>
-              <a:rPr lang="en-US" sz="2300" dirty="0">
-                <a:latin typeface="Helvetica Light" panose="020B0403020202020204" pitchFamily="34" charset="0"/>
-              </a:rPr>
-              <a:t> tutorial or demo for a specific python module (package) that you have an interest in learning in more detail or applying in your future work </a:t>
-            </a:r>
-            <a:r>
               <a:rPr lang="en-US" sz="2000" dirty="0">
                 <a:latin typeface="Helvetica Light" panose="020B0403020202020204" pitchFamily="34" charset="0"/>
               </a:rPr>
-              <a:t>(we will cover </a:t>
+              <a:t> tutorial or demo for a specific python module (package) that you have an interest in learning in more detail or applying in your future work (we will cover </a:t>
             </a:r>
             <a:r>
               <a:rPr lang="en-US" sz="2000" dirty="0" err="1">
@@ -5448,28 +6080,22 @@
               <a:rPr lang="en-US" sz="2000" dirty="0">
                 <a:latin typeface="Helvetica Light" panose="020B0403020202020204" pitchFamily="34" charset="0"/>
               </a:rPr>
-              <a:t> workflow for metagenomic data; </a:t>
-            </a:r>
-            <a:r>
-              <a:rPr lang="en-US" sz="1200" dirty="0">
-                <a:latin typeface="Helvetica Light" panose="020B0403020202020204" pitchFamily="34" charset="0"/>
-              </a:rPr>
-              <a:t>https://</a:t>
-            </a:r>
-            <a:r>
-              <a:rPr lang="en-US" sz="1200" dirty="0" err="1">
+              <a:t> workflow for metagenomic data; https://</a:t>
+            </a:r>
+            <a:r>
+              <a:rPr lang="en-US" sz="2000" dirty="0" err="1">
                 <a:latin typeface="Helvetica Light" panose="020B0403020202020204" pitchFamily="34" charset="0"/>
               </a:rPr>
               <a:t>huttenhower.sph.harvard.edu</a:t>
             </a:r>
             <a:r>
-              <a:rPr lang="en-US" sz="1200" dirty="0">
+              <a:rPr lang="en-US" sz="2000" dirty="0">
                 <a:latin typeface="Helvetica Light" panose="020B0403020202020204" pitchFamily="34" charset="0"/>
               </a:rPr>
               <a:t>/</a:t>
             </a:r>
             <a:r>
-              <a:rPr lang="en-US" sz="1200" dirty="0" err="1">
+              <a:rPr lang="en-US" sz="2000" dirty="0" err="1">
                 <a:latin typeface="Helvetica Light" panose="020B0403020202020204" pitchFamily="34" charset="0"/>
               </a:rPr>
               <a:t>metaphlan</a:t>
@@ -6026,49 +6652,12 @@
           <a:chExt cx="0" cy="0"/>
         </a:xfrm>
       </p:grpSpPr>
-      <p:sp>
-        <p:nvSpPr>
-          <p:cNvPr id="2" name="TextBox 1">
-            <a:extLst>
-              <a:ext uri="{FF2B5EF4-FFF2-40B4-BE49-F238E27FC236}">
-                <a16:creationId xmlns:a16="http://schemas.microsoft.com/office/drawing/2014/main" id="{6CC28B14-71D3-284A-B530-F620DCCC2513}"/>
-              </a:ext>
-            </a:extLst>
-          </p:cNvPr>
-          <p:cNvSpPr txBox="1"/>
-          <p:nvPr/>
-        </p:nvSpPr>
-        <p:spPr>
-          <a:xfrm>
-            <a:off x="4467188" y="278297"/>
-            <a:ext cx="3257623" cy="584775"/>
-          </a:xfrm>
-          <a:prstGeom prst="rect">
-            <a:avLst/>
-          </a:prstGeom>
-          <a:noFill/>
-        </p:spPr>
-        <p:txBody>
-          <a:bodyPr wrap="none" rtlCol="0">
-            <a:spAutoFit/>
-          </a:bodyPr>
-          <a:lstStyle/>
-          <a:p>
-            <a:r>
-              <a:rPr lang="en-US" sz="3200" dirty="0">
-                <a:latin typeface="Helvetica Light" panose="020B0403020202020204" pitchFamily="34" charset="0"/>
-              </a:rPr>
-              <a:t>Interactive mode</a:t>
-            </a:r>
-          </a:p>
-        </p:txBody>
-      </p:sp>
       <p:pic>
         <p:nvPicPr>
-          <p:cNvPr id="4" name="Picture 3" descr="Graphical user interface, text&#10;&#10;Description automatically generated">
-            <a:extLst>
-              <a:ext uri="{FF2B5EF4-FFF2-40B4-BE49-F238E27FC236}">
-                <a16:creationId xmlns:a16="http://schemas.microsoft.com/office/drawing/2014/main" id="{650C53A0-E325-1B4A-B632-E145EA1C94BC}"/>
+          <p:cNvPr id="3" name="Picture 2" descr="A screenshot of a computer&#10;&#10;Description automatically generated">
+            <a:extLst>
+              <a:ext uri="{FF2B5EF4-FFF2-40B4-BE49-F238E27FC236}">
+                <a16:creationId xmlns:a16="http://schemas.microsoft.com/office/drawing/2014/main" id="{3A66B956-6130-C71B-18EF-5B3D2F39A2F9}"/>
               </a:ext>
             </a:extLst>
           </p:cNvPr>
@@ -6085,108 +6674,18 @@
         </p:blipFill>
         <p:spPr>
           <a:xfrm>
-            <a:off x="387627" y="863072"/>
-            <a:ext cx="8663390" cy="5678900"/>
+            <a:off x="212717" y="1039876"/>
+            <a:ext cx="11766566" cy="5196332"/>
           </a:xfrm>
           <a:prstGeom prst="rect">
             <a:avLst/>
           </a:prstGeom>
         </p:spPr>
       </p:pic>
-      <p:sp>
-        <p:nvSpPr>
-          <p:cNvPr id="5" name="TextBox 4">
-            <a:extLst>
-              <a:ext uri="{FF2B5EF4-FFF2-40B4-BE49-F238E27FC236}">
-                <a16:creationId xmlns:a16="http://schemas.microsoft.com/office/drawing/2014/main" id="{2BA3819C-7CA5-BF45-9CD1-3A9F60B3CBBF}"/>
-              </a:ext>
-            </a:extLst>
-          </p:cNvPr>
-          <p:cNvSpPr txBox="1"/>
-          <p:nvPr/>
-        </p:nvSpPr>
-        <p:spPr>
-          <a:xfrm>
-            <a:off x="9422296" y="1093304"/>
-            <a:ext cx="2544286" cy="1046440"/>
-          </a:xfrm>
-          <a:prstGeom prst="rect">
-            <a:avLst/>
-          </a:prstGeom>
-          <a:noFill/>
-        </p:spPr>
-        <p:txBody>
-          <a:bodyPr wrap="none" rtlCol="0">
-            <a:spAutoFit/>
-          </a:bodyPr>
-          <a:lstStyle/>
-          <a:p>
-            <a:r>
-              <a:rPr lang="en-US" dirty="0">
-                <a:latin typeface="Helvetica Light" panose="020B0403020202020204" pitchFamily="34" charset="0"/>
-              </a:rPr>
-              <a:t>Enter by simply typing:</a:t>
-            </a:r>
-          </a:p>
-          <a:p>
-            <a:endParaRPr lang="en-US" dirty="0"/>
-          </a:p>
-          <a:p>
-            <a:r>
-              <a:rPr lang="en-US" sz="2600" dirty="0">
-                <a:latin typeface="Courier New" panose="02070309020205020404" pitchFamily="49" charset="0"/>
-                <a:cs typeface="Courier New" panose="02070309020205020404" pitchFamily="49" charset="0"/>
-              </a:rPr>
-              <a:t>$ python3</a:t>
-            </a:r>
-          </a:p>
-        </p:txBody>
-      </p:sp>
-      <p:sp>
-        <p:nvSpPr>
-          <p:cNvPr id="6" name="TextBox 5">
-            <a:extLst>
-              <a:ext uri="{FF2B5EF4-FFF2-40B4-BE49-F238E27FC236}">
-                <a16:creationId xmlns:a16="http://schemas.microsoft.com/office/drawing/2014/main" id="{77406E1E-FB6B-4440-A6B8-A722C51816BC}"/>
-              </a:ext>
-            </a:extLst>
-          </p:cNvPr>
-          <p:cNvSpPr txBox="1"/>
-          <p:nvPr/>
-        </p:nvSpPr>
-        <p:spPr>
-          <a:xfrm>
-            <a:off x="9422296" y="3702522"/>
-            <a:ext cx="2454965" cy="2677656"/>
-          </a:xfrm>
-          <a:prstGeom prst="rect">
-            <a:avLst/>
-          </a:prstGeom>
-          <a:noFill/>
-        </p:spPr>
-        <p:txBody>
-          <a:bodyPr wrap="square" rtlCol="0">
-            <a:spAutoFit/>
-          </a:bodyPr>
-          <a:lstStyle/>
-          <a:p>
-            <a:r>
-              <a:rPr lang="en-US" sz="2800" dirty="0">
-                <a:latin typeface="Helvetica Light" panose="020B0403020202020204" pitchFamily="34" charset="0"/>
-              </a:rPr>
-              <a:t>Amazingly useful for testing code while you are building your scripts</a:t>
-            </a:r>
-            <a:endParaRPr lang="en-US" sz="2800" dirty="0">
-              <a:latin typeface="Courier New" panose="02070309020205020404" pitchFamily="49" charset="0"/>
-              <a:cs typeface="Courier New" panose="02070309020205020404" pitchFamily="49" charset="0"/>
-            </a:endParaRPr>
-          </a:p>
-        </p:txBody>
-      </p:sp>
     </p:spTree>
     <p:extLst>
       <p:ext uri="{BB962C8B-B14F-4D97-AF65-F5344CB8AC3E}">
-        <p14:creationId xmlns:p14="http://schemas.microsoft.com/office/powerpoint/2010/main" val="822995074"/>
+        <p14:creationId xmlns:p14="http://schemas.microsoft.com/office/powerpoint/2010/main" val="2655562683"/>
       </p:ext>
     </p:extLst>
   </p:cSld>
@@ -6227,8 +6726,8 @@
         </p:nvSpPr>
         <p:spPr>
           <a:xfrm>
-            <a:off x="4887977" y="237986"/>
-            <a:ext cx="2416046" cy="584775"/>
+            <a:off x="4467188" y="278297"/>
+            <a:ext cx="3257623" cy="584775"/>
           </a:xfrm>
           <a:prstGeom prst="rect">
             <a:avLst/>
@@ -6242,20 +6741,44 @@
           <a:lstStyle/>
           <a:p>
             <a:r>
-              <a:rPr lang="en-US" sz="3200" dirty="0" err="1">
-                <a:latin typeface="Helvetica Light" panose="020B0403020202020204" pitchFamily="34" charset="0"/>
-              </a:rPr>
-              <a:t>Ipy</a:t>
-            </a:r>
-            <a:r>
               <a:rPr lang="en-US" sz="3200" dirty="0">
                 <a:latin typeface="Helvetica Light" panose="020B0403020202020204" pitchFamily="34" charset="0"/>
               </a:rPr>
-              <a:t> console </a:t>
-            </a:r>
-          </a:p>
-        </p:txBody>
-      </p:sp>
+              <a:t>Interactive mode</a:t>
+            </a:r>
+          </a:p>
+        </p:txBody>
+      </p:sp>
+      <p:pic>
+        <p:nvPicPr>
+          <p:cNvPr id="4" name="Picture 3" descr="Graphical user interface, text&#10;&#10;Description automatically generated">
+            <a:extLst>
+              <a:ext uri="{FF2B5EF4-FFF2-40B4-BE49-F238E27FC236}">
+                <a16:creationId xmlns:a16="http://schemas.microsoft.com/office/drawing/2014/main" id="{650C53A0-E325-1B4A-B632-E145EA1C94BC}"/>
+              </a:ext>
+            </a:extLst>
+          </p:cNvPr>
+          <p:cNvPicPr>
+            <a:picLocks noChangeAspect="1"/>
+          </p:cNvPicPr>
+          <p:nvPr/>
+        </p:nvPicPr>
+        <p:blipFill>
+          <a:blip r:embed="rId2"/>
+          <a:stretch>
+            <a:fillRect/>
+          </a:stretch>
+        </p:blipFill>
+        <p:spPr>
+          <a:xfrm>
+            <a:off x="387627" y="876324"/>
+            <a:ext cx="8663390" cy="5678900"/>
+          </a:xfrm>
+          <a:prstGeom prst="rect">
+            <a:avLst/>
+          </a:prstGeom>
+        </p:spPr>
+      </p:pic>
       <p:sp>
         <p:nvSpPr>
           <p:cNvPr id="5" name="TextBox 4">
@@ -6270,8 +6793,8 @@
         </p:nvSpPr>
         <p:spPr>
           <a:xfrm>
-            <a:off x="9422296" y="1576781"/>
-            <a:ext cx="2769704" cy="923330"/>
+            <a:off x="9422296" y="1093304"/>
+            <a:ext cx="2544286" cy="1046440"/>
           </a:xfrm>
           <a:prstGeom prst="rect">
             <a:avLst/>
@@ -6279,7 +6802,7 @@
           <a:noFill/>
         </p:spPr>
         <p:txBody>
-          <a:bodyPr wrap="square" rtlCol="0">
+          <a:bodyPr wrap="none" rtlCol="0">
             <a:spAutoFit/>
           </a:bodyPr>
           <a:lstStyle/>
@@ -6288,39 +6811,20 @@
               <a:rPr lang="en-US" dirty="0">
                 <a:latin typeface="Helvetica Light" panose="020B0403020202020204" pitchFamily="34" charset="0"/>
               </a:rPr>
-              <a:t>Launch </a:t>
-            </a:r>
-            <a:r>
-              <a:rPr lang="en-US" b="1" dirty="0" err="1">
-                <a:latin typeface="Helvetica Light" panose="020B0403020202020204" pitchFamily="34" charset="0"/>
-              </a:rPr>
-              <a:t>Jupyter</a:t>
-            </a:r>
-            <a:r>
-              <a:rPr lang="en-US" b="1" dirty="0">
-                <a:latin typeface="Helvetica Light" panose="020B0403020202020204" pitchFamily="34" charset="0"/>
-              </a:rPr>
-              <a:t> </a:t>
-            </a:r>
-            <a:r>
-              <a:rPr lang="en-US" b="1" dirty="0" err="1">
-                <a:latin typeface="Helvetica Light" panose="020B0403020202020204" pitchFamily="34" charset="0"/>
-              </a:rPr>
-              <a:t>Qtconsole</a:t>
-            </a:r>
-            <a:r>
-              <a:rPr lang="en-US" b="1" dirty="0">
-                <a:latin typeface="Helvetica Light" panose="020B0403020202020204" pitchFamily="34" charset="0"/>
-              </a:rPr>
-              <a:t> </a:t>
-            </a:r>
-            <a:r>
-              <a:rPr lang="en-US" dirty="0">
-                <a:latin typeface="Helvetica Light" panose="020B0403020202020204" pitchFamily="34" charset="0"/>
-              </a:rPr>
-              <a:t>from Anaconda navigator</a:t>
-            </a:r>
+              <a:t>Enter by simply typing:</a:t>
+            </a:r>
+          </a:p>
+          <a:p>
             <a:endParaRPr lang="en-US" dirty="0"/>
+          </a:p>
+          <a:p>
+            <a:r>
+              <a:rPr lang="en-US" sz="2600" dirty="0">
+                <a:latin typeface="Courier New" panose="02070309020205020404" pitchFamily="49" charset="0"/>
+                <a:cs typeface="Courier New" panose="02070309020205020404" pitchFamily="49" charset="0"/>
+              </a:rPr>
+              <a:t>$ python3</a:t>
+            </a:r>
           </a:p>
         </p:txBody>
       </p:sp>
@@ -6338,8 +6842,8 @@
         </p:nvSpPr>
         <p:spPr>
           <a:xfrm>
-            <a:off x="9288347" y="3229556"/>
-            <a:ext cx="2454965" cy="2492990"/>
+            <a:off x="9422296" y="3702522"/>
+            <a:ext cx="2454965" cy="2677656"/>
           </a:xfrm>
           <a:prstGeom prst="rect">
             <a:avLst/>
@@ -6353,92 +6857,22 @@
           <a:lstStyle/>
           <a:p>
             <a:r>
-              <a:rPr lang="en-US" sz="2600" dirty="0">
+              <a:rPr lang="en-US" sz="2800" dirty="0">
                 <a:latin typeface="Helvetica Light" panose="020B0403020202020204" pitchFamily="34" charset="0"/>
               </a:rPr>
               <a:t>Amazingly useful for testing code while you are building your scripts</a:t>
             </a:r>
-            <a:endParaRPr lang="en-US" sz="2600" dirty="0">
+            <a:endParaRPr lang="en-US" sz="2800" dirty="0">
               <a:latin typeface="Courier New" panose="02070309020205020404" pitchFamily="49" charset="0"/>
               <a:cs typeface="Courier New" panose="02070309020205020404" pitchFamily="49" charset="0"/>
             </a:endParaRPr>
           </a:p>
         </p:txBody>
       </p:sp>
-      <p:pic>
-        <p:nvPicPr>
-          <p:cNvPr id="8" name="Picture 7" descr="Text&#10;&#10;Description automatically generated with low confidence">
-            <a:extLst>
-              <a:ext uri="{FF2B5EF4-FFF2-40B4-BE49-F238E27FC236}">
-                <a16:creationId xmlns:a16="http://schemas.microsoft.com/office/drawing/2014/main" id="{74D1C905-9C60-E144-8711-9CB9C8FFF47B}"/>
-              </a:ext>
-            </a:extLst>
-          </p:cNvPr>
-          <p:cNvPicPr>
-            <a:picLocks noChangeAspect="1"/>
-          </p:cNvPicPr>
-          <p:nvPr/>
-        </p:nvPicPr>
-        <p:blipFill rotWithShape="1">
-          <a:blip r:embed="rId2"/>
-          <a:srcRect r="30974"/>
-          <a:stretch/>
-        </p:blipFill>
-        <p:spPr>
-          <a:xfrm>
-            <a:off x="775648" y="1051034"/>
-            <a:ext cx="4426974" cy="5436223"/>
-          </a:xfrm>
-          <a:prstGeom prst="rect">
-            <a:avLst/>
-          </a:prstGeom>
-        </p:spPr>
-      </p:pic>
-      <p:sp>
-        <p:nvSpPr>
-          <p:cNvPr id="9" name="TextBox 8">
-            <a:extLst>
-              <a:ext uri="{FF2B5EF4-FFF2-40B4-BE49-F238E27FC236}">
-                <a16:creationId xmlns:a16="http://schemas.microsoft.com/office/drawing/2014/main" id="{0AEB4600-4550-CB41-A5C9-110785544103}"/>
-              </a:ext>
-            </a:extLst>
-          </p:cNvPr>
-          <p:cNvSpPr txBox="1"/>
-          <p:nvPr/>
-        </p:nvSpPr>
-        <p:spPr>
-          <a:xfrm>
-            <a:off x="5399633" y="3229556"/>
-            <a:ext cx="3179493" cy="2492990"/>
-          </a:xfrm>
-          <a:prstGeom prst="rect">
-            <a:avLst/>
-          </a:prstGeom>
-          <a:noFill/>
-        </p:spPr>
-        <p:txBody>
-          <a:bodyPr wrap="square" rtlCol="0">
-            <a:spAutoFit/>
-          </a:bodyPr>
-          <a:lstStyle/>
-          <a:p>
-            <a:r>
-              <a:rPr lang="en-US" sz="2600" dirty="0">
-                <a:latin typeface="Helvetica Light" panose="020B0403020202020204" pitchFamily="34" charset="0"/>
-              </a:rPr>
-              <a:t>Functions dually as a terminal window and python interactive prompt, tab complete functionality</a:t>
-            </a:r>
-            <a:endParaRPr lang="en-US" sz="2600" dirty="0">
-              <a:latin typeface="Courier New" panose="02070309020205020404" pitchFamily="49" charset="0"/>
-              <a:cs typeface="Courier New" panose="02070309020205020404" pitchFamily="49" charset="0"/>
-            </a:endParaRPr>
-          </a:p>
-        </p:txBody>
-      </p:sp>
     </p:spTree>
     <p:extLst>
       <p:ext uri="{BB962C8B-B14F-4D97-AF65-F5344CB8AC3E}">
-        <p14:creationId xmlns:p14="http://schemas.microsoft.com/office/powerpoint/2010/main" val="3796788371"/>
+        <p14:creationId xmlns:p14="http://schemas.microsoft.com/office/powerpoint/2010/main" val="822995074"/>
       </p:ext>
     </p:extLst>
   </p:cSld>
@@ -6467,155 +6901,20 @@
       </p:grpSpPr>
       <p:sp>
         <p:nvSpPr>
-          <p:cNvPr id="2" name="Rectangle 1">
-            <a:extLst>
-              <a:ext uri="{FF2B5EF4-FFF2-40B4-BE49-F238E27FC236}">
-                <a16:creationId xmlns:a16="http://schemas.microsoft.com/office/drawing/2014/main" id="{64BEB290-A9D9-A94B-8702-E860D8F938B4}"/>
-              </a:ext>
-            </a:extLst>
-          </p:cNvPr>
-          <p:cNvSpPr/>
+          <p:cNvPr id="2" name="TextBox 1">
+            <a:extLst>
+              <a:ext uri="{FF2B5EF4-FFF2-40B4-BE49-F238E27FC236}">
+                <a16:creationId xmlns:a16="http://schemas.microsoft.com/office/drawing/2014/main" id="{6CC28B14-71D3-284A-B530-F620DCCC2513}"/>
+              </a:ext>
+            </a:extLst>
+          </p:cNvPr>
+          <p:cNvSpPr txBox="1"/>
           <p:nvPr/>
         </p:nvSpPr>
         <p:spPr>
           <a:xfrm>
-            <a:off x="1070112" y="2790054"/>
-            <a:ext cx="10111410" cy="2785378"/>
-          </a:xfrm>
-          <a:prstGeom prst="rect">
-            <a:avLst/>
-          </a:prstGeom>
-        </p:spPr>
-        <p:txBody>
-          <a:bodyPr wrap="square">
-            <a:spAutoFit/>
-          </a:bodyPr>
-          <a:lstStyle/>
-          <a:p>
-            <a:r>
-              <a:rPr lang="en-US" sz="2500" dirty="0">
-                <a:latin typeface="Courier New" panose="02070309020205020404" pitchFamily="49" charset="0"/>
-                <a:cs typeface="Courier New" panose="02070309020205020404" pitchFamily="49" charset="0"/>
-              </a:rPr>
-              <a:t>Team = "</a:t>
-            </a:r>
-            <a:r>
-              <a:rPr lang="en-US" sz="2500" dirty="0" err="1">
-                <a:latin typeface="Courier New" panose="02070309020205020404" pitchFamily="49" charset="0"/>
-                <a:cs typeface="Courier New" panose="02070309020205020404" pitchFamily="49" charset="0"/>
-              </a:rPr>
-              <a:t>lakers</a:t>
-            </a:r>
-            <a:r>
-              <a:rPr lang="en-US" sz="2500" dirty="0">
-                <a:latin typeface="Courier New" panose="02070309020205020404" pitchFamily="49" charset="0"/>
-                <a:cs typeface="Courier New" panose="02070309020205020404" pitchFamily="49" charset="0"/>
-              </a:rPr>
-              <a:t>"</a:t>
-            </a:r>
-          </a:p>
-          <a:p>
-            <a:r>
-              <a:rPr lang="en-US" sz="2500" dirty="0" err="1">
-                <a:latin typeface="Courier New" panose="02070309020205020404" pitchFamily="49" charset="0"/>
-                <a:cs typeface="Courier New" panose="02070309020205020404" pitchFamily="49" charset="0"/>
-              </a:rPr>
-              <a:t>Seq_one</a:t>
-            </a:r>
-            <a:r>
-              <a:rPr lang="en-US" sz="2500" dirty="0">
-                <a:latin typeface="Courier New" panose="02070309020205020404" pitchFamily="49" charset="0"/>
-                <a:cs typeface="Courier New" panose="02070309020205020404" pitchFamily="49" charset="0"/>
-              </a:rPr>
-              <a:t> = "</a:t>
-            </a:r>
-            <a:r>
-              <a:rPr lang="en-US" sz="2500" dirty="0" err="1">
-                <a:latin typeface="Courier New" panose="02070309020205020404" pitchFamily="49" charset="0"/>
-                <a:cs typeface="Courier New" panose="02070309020205020404" pitchFamily="49" charset="0"/>
-              </a:rPr>
-              <a:t>actgaaa</a:t>
-            </a:r>
-            <a:r>
-              <a:rPr lang="en-US" sz="2500" dirty="0">
-                <a:latin typeface="Courier New" panose="02070309020205020404" pitchFamily="49" charset="0"/>
-                <a:cs typeface="Courier New" panose="02070309020205020404" pitchFamily="49" charset="0"/>
-              </a:rPr>
-              <a:t>"</a:t>
-            </a:r>
-          </a:p>
-          <a:p>
-            <a:r>
-              <a:rPr lang="en-US" sz="2500" dirty="0">
-                <a:latin typeface="Courier New" panose="02070309020205020404" pitchFamily="49" charset="0"/>
-                <a:cs typeface="Courier New" panose="02070309020205020404" pitchFamily="49" charset="0"/>
-              </a:rPr>
-              <a:t>Seq3 = '</a:t>
-            </a:r>
-            <a:r>
-              <a:rPr lang="en-US" sz="2500" dirty="0" err="1">
-                <a:latin typeface="Courier New" panose="02070309020205020404" pitchFamily="49" charset="0"/>
-                <a:cs typeface="Courier New" panose="02070309020205020404" pitchFamily="49" charset="0"/>
-              </a:rPr>
-              <a:t>atcGGGC</a:t>
-            </a:r>
-            <a:r>
-              <a:rPr lang="en-US" sz="2500" dirty="0">
-                <a:latin typeface="Courier New" panose="02070309020205020404" pitchFamily="49" charset="0"/>
-                <a:cs typeface="Courier New" panose="02070309020205020404" pitchFamily="49" charset="0"/>
-              </a:rPr>
-              <a:t>' # single or double quotes</a:t>
-            </a:r>
-          </a:p>
-          <a:p>
-            <a:r>
-              <a:rPr lang="en-US" sz="2500" dirty="0">
-                <a:latin typeface="Courier New" panose="02070309020205020404" pitchFamily="49" charset="0"/>
-                <a:cs typeface="Courier New" panose="02070309020205020404" pitchFamily="49" charset="0"/>
-              </a:rPr>
-              <a:t>Val = '11.2' 	#something that looks like a float</a:t>
-            </a:r>
-          </a:p>
-          <a:p>
-            <a:r>
-              <a:rPr lang="en-US" sz="2500" dirty="0">
-                <a:latin typeface="Courier New" panose="02070309020205020404" pitchFamily="49" charset="0"/>
-                <a:cs typeface="Courier New" panose="02070309020205020404" pitchFamily="49" charset="0"/>
-              </a:rPr>
-              <a:t>Sentence = "Joe Burrow is the real deal" </a:t>
-            </a:r>
-          </a:p>
-          <a:p>
-            <a:endParaRPr lang="en-US" sz="2500" dirty="0">
-              <a:latin typeface="Courier New" panose="02070309020205020404" pitchFamily="49" charset="0"/>
-              <a:cs typeface="Courier New" panose="02070309020205020404" pitchFamily="49" charset="0"/>
-            </a:endParaRPr>
-          </a:p>
-          <a:p>
-            <a:endParaRPr lang="en-US" sz="2500" dirty="0">
-              <a:effectLst/>
-              <a:latin typeface="Courier New" panose="02070309020205020404" pitchFamily="49" charset="0"/>
-              <a:cs typeface="Courier New" panose="02070309020205020404" pitchFamily="49" charset="0"/>
-            </a:endParaRPr>
-          </a:p>
-        </p:txBody>
-      </p:sp>
-      <p:sp>
-        <p:nvSpPr>
-          <p:cNvPr id="3" name="TextBox 2">
-            <a:extLst>
-              <a:ext uri="{FF2B5EF4-FFF2-40B4-BE49-F238E27FC236}">
-                <a16:creationId xmlns:a16="http://schemas.microsoft.com/office/drawing/2014/main" id="{7CADF43A-5881-B345-A303-7A2840F28C4F}"/>
-              </a:ext>
-            </a:extLst>
-          </p:cNvPr>
-          <p:cNvSpPr txBox="1"/>
-          <p:nvPr/>
-        </p:nvSpPr>
-        <p:spPr>
-          <a:xfrm>
-            <a:off x="4545735" y="367748"/>
-            <a:ext cx="3100529" cy="600164"/>
+            <a:off x="4887977" y="237986"/>
+            <a:ext cx="2416046" cy="584775"/>
           </a:xfrm>
           <a:prstGeom prst="rect">
             <a:avLst/>
@@ -6629,20 +6928,26 @@
           <a:lstStyle/>
           <a:p>
             <a:r>
-              <a:rPr lang="en-US" sz="3300" b="1" dirty="0">
-                <a:latin typeface="Helvetica Light" panose="020B0403020202020204" pitchFamily="34" charset="0"/>
-              </a:rPr>
-              <a:t>Scalars: strings</a:t>
-            </a:r>
-          </a:p>
-        </p:txBody>
-      </p:sp>
-      <p:sp>
-        <p:nvSpPr>
-          <p:cNvPr id="4" name="TextBox 3">
-            <a:extLst>
-              <a:ext uri="{FF2B5EF4-FFF2-40B4-BE49-F238E27FC236}">
-                <a16:creationId xmlns:a16="http://schemas.microsoft.com/office/drawing/2014/main" id="{8B82A06A-2B68-2340-8CE4-3FB2C6417880}"/>
+              <a:rPr lang="en-US" sz="3200" dirty="0" err="1">
+                <a:latin typeface="Helvetica Light" panose="020B0403020202020204" pitchFamily="34" charset="0"/>
+              </a:rPr>
+              <a:t>Ipy</a:t>
+            </a:r>
+            <a:r>
+              <a:rPr lang="en-US" sz="3200" dirty="0">
+                <a:latin typeface="Helvetica Light" panose="020B0403020202020204" pitchFamily="34" charset="0"/>
+              </a:rPr>
+              <a:t> console </a:t>
+            </a:r>
+          </a:p>
+        </p:txBody>
+      </p:sp>
+      <p:sp>
+        <p:nvSpPr>
+          <p:cNvPr id="5" name="TextBox 4">
+            <a:extLst>
+              <a:ext uri="{FF2B5EF4-FFF2-40B4-BE49-F238E27FC236}">
+                <a16:creationId xmlns:a16="http://schemas.microsoft.com/office/drawing/2014/main" id="{2BA3819C-7CA5-BF45-9CD1-3A9F60B3CBBF}"/>
               </a:ext>
             </a:extLst>
           </p:cNvPr>
@@ -6651,8 +6956,8 @@
         </p:nvSpPr>
         <p:spPr>
           <a:xfrm>
-            <a:off x="1070112" y="1674347"/>
-            <a:ext cx="10637849" cy="523220"/>
+            <a:off x="9422296" y="1576781"/>
+            <a:ext cx="2769704" cy="923330"/>
           </a:xfrm>
           <a:prstGeom prst="rect">
             <a:avLst/>
@@ -6660,36 +6965,166 @@
           <a:noFill/>
         </p:spPr>
         <p:txBody>
-          <a:bodyPr wrap="none" rtlCol="0">
+          <a:bodyPr wrap="square" rtlCol="0">
             <a:spAutoFit/>
           </a:bodyPr>
           <a:lstStyle/>
           <a:p>
             <a:r>
-              <a:rPr lang="en-US" sz="2800" dirty="0">
-                <a:latin typeface="Helvetica Light" panose="020B0403020202020204" pitchFamily="34" charset="0"/>
-              </a:rPr>
-              <a:t>Assigning </a:t>
-            </a:r>
-            <a:r>
-              <a:rPr lang="en-US" sz="2800" b="1" dirty="0">
-                <a:latin typeface="Helvetica Light" panose="020B0403020202020204" pitchFamily="34" charset="0"/>
-              </a:rPr>
-              <a:t>strings</a:t>
-            </a:r>
-            <a:r>
-              <a:rPr lang="en-US" sz="2800" dirty="0">
-                <a:latin typeface="Helvetica Light" panose="020B0403020202020204" pitchFamily="34" charset="0"/>
-              </a:rPr>
-              <a:t> to variables (requires single or double quotes):</a:t>
-            </a:r>
+              <a:rPr lang="en-US" dirty="0">
+                <a:latin typeface="Helvetica Light" panose="020B0403020202020204" pitchFamily="34" charset="0"/>
+              </a:rPr>
+              <a:t>Launch </a:t>
+            </a:r>
+            <a:r>
+              <a:rPr lang="en-US" b="1" dirty="0" err="1">
+                <a:latin typeface="Helvetica Light" panose="020B0403020202020204" pitchFamily="34" charset="0"/>
+              </a:rPr>
+              <a:t>Jupyter</a:t>
+            </a:r>
+            <a:r>
+              <a:rPr lang="en-US" b="1" dirty="0">
+                <a:latin typeface="Helvetica Light" panose="020B0403020202020204" pitchFamily="34" charset="0"/>
+              </a:rPr>
+              <a:t> </a:t>
+            </a:r>
+            <a:r>
+              <a:rPr lang="en-US" b="1" dirty="0" err="1">
+                <a:latin typeface="Helvetica Light" panose="020B0403020202020204" pitchFamily="34" charset="0"/>
+              </a:rPr>
+              <a:t>Qtconsole</a:t>
+            </a:r>
+            <a:r>
+              <a:rPr lang="en-US" b="1" dirty="0">
+                <a:latin typeface="Helvetica Light" panose="020B0403020202020204" pitchFamily="34" charset="0"/>
+              </a:rPr>
+              <a:t> </a:t>
+            </a:r>
+            <a:r>
+              <a:rPr lang="en-US" dirty="0">
+                <a:latin typeface="Helvetica Light" panose="020B0403020202020204" pitchFamily="34" charset="0"/>
+              </a:rPr>
+              <a:t>from Anaconda navigator</a:t>
+            </a:r>
+            <a:endParaRPr lang="en-US" dirty="0"/>
+          </a:p>
+        </p:txBody>
+      </p:sp>
+      <p:sp>
+        <p:nvSpPr>
+          <p:cNvPr id="6" name="TextBox 5">
+            <a:extLst>
+              <a:ext uri="{FF2B5EF4-FFF2-40B4-BE49-F238E27FC236}">
+                <a16:creationId xmlns:a16="http://schemas.microsoft.com/office/drawing/2014/main" id="{77406E1E-FB6B-4440-A6B8-A722C51816BC}"/>
+              </a:ext>
+            </a:extLst>
+          </p:cNvPr>
+          <p:cNvSpPr txBox="1"/>
+          <p:nvPr/>
+        </p:nvSpPr>
+        <p:spPr>
+          <a:xfrm>
+            <a:off x="9288347" y="3229556"/>
+            <a:ext cx="2454965" cy="2492990"/>
+          </a:xfrm>
+          <a:prstGeom prst="rect">
+            <a:avLst/>
+          </a:prstGeom>
+          <a:noFill/>
+        </p:spPr>
+        <p:txBody>
+          <a:bodyPr wrap="square" rtlCol="0">
+            <a:spAutoFit/>
+          </a:bodyPr>
+          <a:lstStyle/>
+          <a:p>
+            <a:r>
+              <a:rPr lang="en-US" sz="2600" dirty="0">
+                <a:latin typeface="Helvetica Light" panose="020B0403020202020204" pitchFamily="34" charset="0"/>
+              </a:rPr>
+              <a:t>Amazingly useful for testing code while you are building your scripts</a:t>
+            </a:r>
+            <a:endParaRPr lang="en-US" sz="2600" dirty="0">
+              <a:latin typeface="Courier New" panose="02070309020205020404" pitchFamily="49" charset="0"/>
+              <a:cs typeface="Courier New" panose="02070309020205020404" pitchFamily="49" charset="0"/>
+            </a:endParaRPr>
+          </a:p>
+        </p:txBody>
+      </p:sp>
+      <p:pic>
+        <p:nvPicPr>
+          <p:cNvPr id="8" name="Picture 7" descr="Text&#10;&#10;Description automatically generated with low confidence">
+            <a:extLst>
+              <a:ext uri="{FF2B5EF4-FFF2-40B4-BE49-F238E27FC236}">
+                <a16:creationId xmlns:a16="http://schemas.microsoft.com/office/drawing/2014/main" id="{74D1C905-9C60-E144-8711-9CB9C8FFF47B}"/>
+              </a:ext>
+            </a:extLst>
+          </p:cNvPr>
+          <p:cNvPicPr>
+            <a:picLocks noChangeAspect="1"/>
+          </p:cNvPicPr>
+          <p:nvPr/>
+        </p:nvPicPr>
+        <p:blipFill rotWithShape="1">
+          <a:blip r:embed="rId2"/>
+          <a:srcRect r="30974"/>
+          <a:stretch/>
+        </p:blipFill>
+        <p:spPr>
+          <a:xfrm>
+            <a:off x="775648" y="1051034"/>
+            <a:ext cx="4426974" cy="5436223"/>
+          </a:xfrm>
+          <a:prstGeom prst="rect">
+            <a:avLst/>
+          </a:prstGeom>
+        </p:spPr>
+      </p:pic>
+      <p:sp>
+        <p:nvSpPr>
+          <p:cNvPr id="9" name="TextBox 8">
+            <a:extLst>
+              <a:ext uri="{FF2B5EF4-FFF2-40B4-BE49-F238E27FC236}">
+                <a16:creationId xmlns:a16="http://schemas.microsoft.com/office/drawing/2014/main" id="{0AEB4600-4550-CB41-A5C9-110785544103}"/>
+              </a:ext>
+            </a:extLst>
+          </p:cNvPr>
+          <p:cNvSpPr txBox="1"/>
+          <p:nvPr/>
+        </p:nvSpPr>
+        <p:spPr>
+          <a:xfrm>
+            <a:off x="5399633" y="3229556"/>
+            <a:ext cx="3179493" cy="2492990"/>
+          </a:xfrm>
+          <a:prstGeom prst="rect">
+            <a:avLst/>
+          </a:prstGeom>
+          <a:noFill/>
+        </p:spPr>
+        <p:txBody>
+          <a:bodyPr wrap="square" rtlCol="0">
+            <a:spAutoFit/>
+          </a:bodyPr>
+          <a:lstStyle/>
+          <a:p>
+            <a:r>
+              <a:rPr lang="en-US" sz="2600" dirty="0">
+                <a:latin typeface="Helvetica Light" panose="020B0403020202020204" pitchFamily="34" charset="0"/>
+              </a:rPr>
+              <a:t>Functions dually as a terminal window and python interactive prompt, tab complete functionality</a:t>
+            </a:r>
+            <a:endParaRPr lang="en-US" sz="2600" dirty="0">
+              <a:latin typeface="Courier New" panose="02070309020205020404" pitchFamily="49" charset="0"/>
+              <a:cs typeface="Courier New" panose="02070309020205020404" pitchFamily="49" charset="0"/>
+            </a:endParaRPr>
           </a:p>
         </p:txBody>
       </p:sp>
     </p:spTree>
     <p:extLst>
       <p:ext uri="{BB962C8B-B14F-4D97-AF65-F5344CB8AC3E}">
-        <p14:creationId xmlns:p14="http://schemas.microsoft.com/office/powerpoint/2010/main" val="3597356262"/>
+        <p14:creationId xmlns:p14="http://schemas.microsoft.com/office/powerpoint/2010/main" val="3796788371"/>
       </p:ext>
     </p:extLst>
   </p:cSld>
@@ -6730,8 +7165,8 @@
         </p:nvSpPr>
         <p:spPr>
           <a:xfrm>
-            <a:off x="629478" y="2098933"/>
-            <a:ext cx="10485782" cy="4154984"/>
+            <a:off x="1070112" y="2790054"/>
+            <a:ext cx="10111410" cy="2785378"/>
           </a:xfrm>
           <a:prstGeom prst="rect">
             <a:avLst/>
@@ -6744,197 +7179,106 @@
           <a:lstStyle/>
           <a:p>
             <a:r>
-              <a:rPr lang="en-US" sz="2400" dirty="0">
+              <a:rPr lang="en-US" sz="2500" dirty="0">
                 <a:latin typeface="Courier New" panose="02070309020205020404" pitchFamily="49" charset="0"/>
                 <a:cs typeface="Courier New" panose="02070309020205020404" pitchFamily="49" charset="0"/>
               </a:rPr>
               <a:t>Team = "</a:t>
             </a:r>
             <a:r>
-              <a:rPr lang="en-US" sz="2400" dirty="0" err="1">
+              <a:rPr lang="en-US" sz="2500" dirty="0" err="1">
                 <a:latin typeface="Courier New" panose="02070309020205020404" pitchFamily="49" charset="0"/>
                 <a:cs typeface="Courier New" panose="02070309020205020404" pitchFamily="49" charset="0"/>
               </a:rPr>
               <a:t>lakers</a:t>
             </a:r>
             <a:r>
-              <a:rPr lang="en-US" sz="2400" dirty="0">
+              <a:rPr lang="en-US" sz="2500" dirty="0">
                 <a:latin typeface="Courier New" panose="02070309020205020404" pitchFamily="49" charset="0"/>
                 <a:cs typeface="Courier New" panose="02070309020205020404" pitchFamily="49" charset="0"/>
               </a:rPr>
               <a:t>"</a:t>
             </a:r>
-            <a:br>
-              <a:rPr lang="en-US" sz="2400" dirty="0">
-                <a:latin typeface="Courier New" panose="02070309020205020404" pitchFamily="49" charset="0"/>
-                <a:cs typeface="Courier New" panose="02070309020205020404" pitchFamily="49" charset="0"/>
-              </a:rPr>
-            </a:br>
-            <a:r>
-              <a:rPr lang="en-US" sz="2400" dirty="0" err="1">
-                <a:latin typeface="Courier New" panose="02070309020205020404" pitchFamily="49" charset="0"/>
-                <a:cs typeface="Courier New" panose="02070309020205020404" pitchFamily="49" charset="0"/>
-              </a:rPr>
-              <a:t>CapTeam</a:t>
-            </a:r>
-            <a:r>
-              <a:rPr lang="en-US" sz="2400" dirty="0">
-                <a:latin typeface="Courier New" panose="02070309020205020404" pitchFamily="49" charset="0"/>
-                <a:cs typeface="Courier New" panose="02070309020205020404" pitchFamily="49" charset="0"/>
-              </a:rPr>
-              <a:t> = </a:t>
-            </a:r>
-            <a:r>
-              <a:rPr lang="en-US" sz="2400" dirty="0" err="1">
-                <a:latin typeface="Courier New" panose="02070309020205020404" pitchFamily="49" charset="0"/>
-                <a:cs typeface="Courier New" panose="02070309020205020404" pitchFamily="49" charset="0"/>
-              </a:rPr>
-              <a:t>Team.upper</a:t>
-            </a:r>
-            <a:r>
-              <a:rPr lang="en-US" sz="2400" dirty="0">
-                <a:latin typeface="Courier New" panose="02070309020205020404" pitchFamily="49" charset="0"/>
-                <a:cs typeface="Courier New" panose="02070309020205020404" pitchFamily="49" charset="0"/>
-              </a:rPr>
-              <a:t>() #change </a:t>
-            </a:r>
-            <a:r>
-              <a:rPr lang="en-US" sz="2400" dirty="0" err="1">
-                <a:latin typeface="Courier New" panose="02070309020205020404" pitchFamily="49" charset="0"/>
-                <a:cs typeface="Courier New" panose="02070309020205020404" pitchFamily="49" charset="0"/>
-              </a:rPr>
-              <a:t>lakers</a:t>
-            </a:r>
-            <a:r>
-              <a:rPr lang="en-US" sz="2400" dirty="0">
-                <a:latin typeface="Courier New" panose="02070309020205020404" pitchFamily="49" charset="0"/>
-                <a:cs typeface="Courier New" panose="02070309020205020404" pitchFamily="49" charset="0"/>
-              </a:rPr>
-              <a:t> to LAKERS</a:t>
-            </a:r>
-          </a:p>
-          <a:p>
-            <a:endParaRPr lang="en-US" sz="2400" dirty="0">
+          </a:p>
+          <a:p>
+            <a:r>
+              <a:rPr lang="en-US" sz="2500" dirty="0" err="1">
+                <a:latin typeface="Courier New" panose="02070309020205020404" pitchFamily="49" charset="0"/>
+                <a:cs typeface="Courier New" panose="02070309020205020404" pitchFamily="49" charset="0"/>
+              </a:rPr>
+              <a:t>Seq_one</a:t>
+            </a:r>
+            <a:r>
+              <a:rPr lang="en-US" sz="2500" dirty="0">
+                <a:latin typeface="Courier New" panose="02070309020205020404" pitchFamily="49" charset="0"/>
+                <a:cs typeface="Courier New" panose="02070309020205020404" pitchFamily="49" charset="0"/>
+              </a:rPr>
+              <a:t> = "</a:t>
+            </a:r>
+            <a:r>
+              <a:rPr lang="en-US" sz="2500" dirty="0" err="1">
+                <a:latin typeface="Courier New" panose="02070309020205020404" pitchFamily="49" charset="0"/>
+                <a:cs typeface="Courier New" panose="02070309020205020404" pitchFamily="49" charset="0"/>
+              </a:rPr>
+              <a:t>actgaaa</a:t>
+            </a:r>
+            <a:r>
+              <a:rPr lang="en-US" sz="2500" dirty="0">
+                <a:latin typeface="Courier New" panose="02070309020205020404" pitchFamily="49" charset="0"/>
+                <a:cs typeface="Courier New" panose="02070309020205020404" pitchFamily="49" charset="0"/>
+              </a:rPr>
+              <a:t>"</a:t>
+            </a:r>
+          </a:p>
+          <a:p>
+            <a:r>
+              <a:rPr lang="en-US" sz="2500" dirty="0">
+                <a:latin typeface="Courier New" panose="02070309020205020404" pitchFamily="49" charset="0"/>
+                <a:cs typeface="Courier New" panose="02070309020205020404" pitchFamily="49" charset="0"/>
+              </a:rPr>
+              <a:t>Seq3 = '</a:t>
+            </a:r>
+            <a:r>
+              <a:rPr lang="en-US" sz="2500" dirty="0" err="1">
+                <a:latin typeface="Courier New" panose="02070309020205020404" pitchFamily="49" charset="0"/>
+                <a:cs typeface="Courier New" panose="02070309020205020404" pitchFamily="49" charset="0"/>
+              </a:rPr>
+              <a:t>atcGGGC</a:t>
+            </a:r>
+            <a:r>
+              <a:rPr lang="en-US" sz="2500" dirty="0">
+                <a:latin typeface="Courier New" panose="02070309020205020404" pitchFamily="49" charset="0"/>
+                <a:cs typeface="Courier New" panose="02070309020205020404" pitchFamily="49" charset="0"/>
+              </a:rPr>
+              <a:t>' # single or double quotes</a:t>
+            </a:r>
+          </a:p>
+          <a:p>
+            <a:r>
+              <a:rPr lang="en-US" sz="2500" dirty="0">
+                <a:latin typeface="Courier New" panose="02070309020205020404" pitchFamily="49" charset="0"/>
+                <a:cs typeface="Courier New" panose="02070309020205020404" pitchFamily="49" charset="0"/>
+              </a:rPr>
+              <a:t>Val = '11.2' 	#something that looks like a float</a:t>
+            </a:r>
+          </a:p>
+          <a:p>
+            <a:r>
+              <a:rPr lang="en-US" sz="2500" dirty="0">
+                <a:latin typeface="Courier New" panose="02070309020205020404" pitchFamily="49" charset="0"/>
+                <a:cs typeface="Courier New" panose="02070309020205020404" pitchFamily="49" charset="0"/>
+              </a:rPr>
+              <a:t>Sentence = "Joe Burrow is the real deal" </a:t>
+            </a:r>
+          </a:p>
+          <a:p>
+            <a:endParaRPr lang="en-US" sz="2500" dirty="0">
               <a:latin typeface="Courier New" panose="02070309020205020404" pitchFamily="49" charset="0"/>
               <a:cs typeface="Courier New" panose="02070309020205020404" pitchFamily="49" charset="0"/>
             </a:endParaRPr>
           </a:p>
           <a:p>
-            <a:endParaRPr lang="en-US" sz="2400" dirty="0">
-              <a:latin typeface="Courier New" panose="02070309020205020404" pitchFamily="49" charset="0"/>
-              <a:cs typeface="Courier New" panose="02070309020205020404" pitchFamily="49" charset="0"/>
-            </a:endParaRPr>
-          </a:p>
-          <a:p>
-            <a:r>
-              <a:rPr lang="en-US" sz="2400" dirty="0" err="1">
-                <a:latin typeface="Courier New" panose="02070309020205020404" pitchFamily="49" charset="0"/>
-                <a:cs typeface="Courier New" panose="02070309020205020404" pitchFamily="49" charset="0"/>
-              </a:rPr>
-              <a:t>Seq_one</a:t>
-            </a:r>
-            <a:r>
-              <a:rPr lang="en-US" sz="2400" dirty="0">
-                <a:latin typeface="Courier New" panose="02070309020205020404" pitchFamily="49" charset="0"/>
-                <a:cs typeface="Courier New" panose="02070309020205020404" pitchFamily="49" charset="0"/>
-              </a:rPr>
-              <a:t> = "</a:t>
-            </a:r>
-            <a:r>
-              <a:rPr lang="en-US" sz="2400" dirty="0" err="1">
-                <a:latin typeface="Courier New" panose="02070309020205020404" pitchFamily="49" charset="0"/>
-                <a:cs typeface="Courier New" panose="02070309020205020404" pitchFamily="49" charset="0"/>
-              </a:rPr>
-              <a:t>actgaaa</a:t>
-            </a:r>
-            <a:r>
-              <a:rPr lang="en-US" sz="2400" dirty="0">
-                <a:latin typeface="Courier New" panose="02070309020205020404" pitchFamily="49" charset="0"/>
-                <a:cs typeface="Courier New" panose="02070309020205020404" pitchFamily="49" charset="0"/>
-              </a:rPr>
-              <a:t>"</a:t>
-            </a:r>
-          </a:p>
-          <a:p>
-            <a:r>
-              <a:rPr lang="en-US" sz="2400" dirty="0" err="1">
-                <a:latin typeface="Courier New" panose="02070309020205020404" pitchFamily="49" charset="0"/>
-                <a:cs typeface="Courier New" panose="02070309020205020404" pitchFamily="49" charset="0"/>
-              </a:rPr>
-              <a:t>NewSeq</a:t>
-            </a:r>
-            <a:r>
-              <a:rPr lang="en-US" sz="2400" dirty="0">
-                <a:latin typeface="Courier New" panose="02070309020205020404" pitchFamily="49" charset="0"/>
-                <a:cs typeface="Courier New" panose="02070309020205020404" pitchFamily="49" charset="0"/>
-              </a:rPr>
-              <a:t> = </a:t>
-            </a:r>
-            <a:r>
-              <a:rPr lang="en-US" sz="2400" dirty="0" err="1">
-                <a:latin typeface="Courier New" panose="02070309020205020404" pitchFamily="49" charset="0"/>
-                <a:cs typeface="Courier New" panose="02070309020205020404" pitchFamily="49" charset="0"/>
-              </a:rPr>
-              <a:t>Seq_one.replace</a:t>
-            </a:r>
-            <a:r>
-              <a:rPr lang="en-US" sz="2400" dirty="0">
-                <a:latin typeface="Courier New" panose="02070309020205020404" pitchFamily="49" charset="0"/>
-                <a:cs typeface="Courier New" panose="02070309020205020404" pitchFamily="49" charset="0"/>
-              </a:rPr>
-              <a:t>('a', 't')	# replaces a with t</a:t>
-            </a:r>
-          </a:p>
-          <a:p>
-            <a:endParaRPr lang="en-US" sz="2400" dirty="0">
-              <a:latin typeface="Courier New" panose="02070309020205020404" pitchFamily="49" charset="0"/>
-              <a:cs typeface="Courier New" panose="02070309020205020404" pitchFamily="49" charset="0"/>
-            </a:endParaRPr>
-          </a:p>
-          <a:p>
-            <a:endParaRPr lang="en-US" sz="2400" dirty="0">
-              <a:latin typeface="Courier New" panose="02070309020205020404" pitchFamily="49" charset="0"/>
-              <a:cs typeface="Courier New" panose="02070309020205020404" pitchFamily="49" charset="0"/>
-            </a:endParaRPr>
-          </a:p>
-          <a:p>
-            <a:r>
-              <a:rPr lang="en-US" sz="2400" dirty="0" err="1">
-                <a:latin typeface="Courier New" panose="02070309020205020404" pitchFamily="49" charset="0"/>
-                <a:cs typeface="Courier New" panose="02070309020205020404" pitchFamily="49" charset="0"/>
-              </a:rPr>
-              <a:t>NewSeq</a:t>
-            </a:r>
-            <a:r>
-              <a:rPr lang="en-US" sz="2400" dirty="0">
-                <a:latin typeface="Courier New" panose="02070309020205020404" pitchFamily="49" charset="0"/>
-                <a:cs typeface="Courier New" panose="02070309020205020404" pitchFamily="49" charset="0"/>
-              </a:rPr>
-              <a:t> = </a:t>
-            </a:r>
-            <a:r>
-              <a:rPr lang="en-US" sz="2400" dirty="0" err="1">
-                <a:latin typeface="Courier New" panose="02070309020205020404" pitchFamily="49" charset="0"/>
-                <a:cs typeface="Courier New" panose="02070309020205020404" pitchFamily="49" charset="0"/>
-              </a:rPr>
-              <a:t>Seq_one.count</a:t>
-            </a:r>
-            <a:r>
-              <a:rPr lang="en-US" sz="2400" dirty="0">
-                <a:latin typeface="Courier New" panose="02070309020205020404" pitchFamily="49" charset="0"/>
-                <a:cs typeface="Courier New" panose="02070309020205020404" pitchFamily="49" charset="0"/>
-              </a:rPr>
-              <a:t>('A') 	# returns a count of match</a:t>
-            </a:r>
-          </a:p>
-          <a:p>
-            <a:endParaRPr lang="en-US" sz="2400" dirty="0">
-              <a:latin typeface="Courier New" panose="02070309020205020404" pitchFamily="49" charset="0"/>
-              <a:cs typeface="Courier New" panose="02070309020205020404" pitchFamily="49" charset="0"/>
-            </a:endParaRPr>
-          </a:p>
-          <a:p>
-            <a:endParaRPr lang="en-US" sz="2400" dirty="0">
+            <a:endParaRPr lang="en-US" sz="2500" dirty="0">
               <a:effectLst/>
               <a:latin typeface="Courier New" panose="02070309020205020404" pitchFamily="49" charset="0"/>
               <a:cs typeface="Courier New" panose="02070309020205020404" pitchFamily="49" charset="0"/>
@@ -6956,8 +7300,8 @@
         </p:nvSpPr>
         <p:spPr>
           <a:xfrm>
-            <a:off x="1934432" y="397565"/>
-            <a:ext cx="7875874" cy="600164"/>
+            <a:off x="4545735" y="367748"/>
+            <a:ext cx="3100529" cy="600164"/>
           </a:xfrm>
           <a:prstGeom prst="rect">
             <a:avLst/>
@@ -6974,7 +7318,7 @@
               <a:rPr lang="en-US" sz="3300" b="1" dirty="0">
                 <a:latin typeface="Helvetica Light" panose="020B0403020202020204" pitchFamily="34" charset="0"/>
               </a:rPr>
-              <a:t>Scalars: built in string functions/methods</a:t>
+              <a:t>Scalars: strings</a:t>
             </a:r>
           </a:p>
         </p:txBody>
@@ -6993,8 +7337,8 @@
         </p:nvSpPr>
         <p:spPr>
           <a:xfrm>
-            <a:off x="3614530" y="1286721"/>
-            <a:ext cx="4365298" cy="523220"/>
+            <a:off x="1070112" y="1674347"/>
+            <a:ext cx="10637849" cy="523220"/>
           </a:xfrm>
           <a:prstGeom prst="rect">
             <a:avLst/>
@@ -7008,27 +7352,30 @@
           <a:lstStyle/>
           <a:p>
             <a:r>
-              <a:rPr lang="en-US" sz="2800" dirty="0" err="1">
-                <a:latin typeface="Helvetica Light" panose="020B0403020202020204" pitchFamily="34" charset="0"/>
-              </a:rPr>
-              <a:t>StringName.</a:t>
-            </a:r>
-            <a:r>
-              <a:rPr lang="en-US" sz="2800" b="1" dirty="0" err="1">
-                <a:latin typeface="Helvetica Light" panose="020B0403020202020204" pitchFamily="34" charset="0"/>
-              </a:rPr>
-              <a:t>functionname</a:t>
-            </a:r>
-            <a:endParaRPr lang="en-US" sz="2800" b="1" dirty="0">
-              <a:latin typeface="Helvetica Light" panose="020B0403020202020204" pitchFamily="34" charset="0"/>
-            </a:endParaRPr>
+              <a:rPr lang="en-US" sz="2800" dirty="0">
+                <a:latin typeface="Helvetica Light" panose="020B0403020202020204" pitchFamily="34" charset="0"/>
+              </a:rPr>
+              <a:t>Assigning </a:t>
+            </a:r>
+            <a:r>
+              <a:rPr lang="en-US" sz="2800" b="1" dirty="0">
+                <a:latin typeface="Helvetica Light" panose="020B0403020202020204" pitchFamily="34" charset="0"/>
+              </a:rPr>
+              <a:t>strings</a:t>
+            </a:r>
+            <a:r>
+              <a:rPr lang="en-US" sz="2800" dirty="0">
+                <a:latin typeface="Helvetica Light" panose="020B0403020202020204" pitchFamily="34" charset="0"/>
+              </a:rPr>
+              <a:t> to variables (requires single or double quotes):</a:t>
+            </a:r>
           </a:p>
         </p:txBody>
       </p:sp>
     </p:spTree>
     <p:extLst>
       <p:ext uri="{BB962C8B-B14F-4D97-AF65-F5344CB8AC3E}">
-        <p14:creationId xmlns:p14="http://schemas.microsoft.com/office/powerpoint/2010/main" val="1273174221"/>
+        <p14:creationId xmlns:p14="http://schemas.microsoft.com/office/powerpoint/2010/main" val="3597356262"/>
       </p:ext>
     </p:extLst>
   </p:cSld>
@@ -7057,6 +7404,687 @@
       </p:grpSpPr>
       <p:sp>
         <p:nvSpPr>
+          <p:cNvPr id="2" name="Rectangle 1">
+            <a:extLst>
+              <a:ext uri="{FF2B5EF4-FFF2-40B4-BE49-F238E27FC236}">
+                <a16:creationId xmlns:a16="http://schemas.microsoft.com/office/drawing/2014/main" id="{64BEB290-A9D9-A94B-8702-E860D8F938B4}"/>
+              </a:ext>
+            </a:extLst>
+          </p:cNvPr>
+          <p:cNvSpPr/>
+          <p:nvPr/>
+        </p:nvSpPr>
+        <p:spPr>
+          <a:xfrm>
+            <a:off x="629478" y="2098933"/>
+            <a:ext cx="10485782" cy="4154984"/>
+          </a:xfrm>
+          <a:prstGeom prst="rect">
+            <a:avLst/>
+          </a:prstGeom>
+        </p:spPr>
+        <p:txBody>
+          <a:bodyPr wrap="square">
+            <a:spAutoFit/>
+          </a:bodyPr>
+          <a:lstStyle/>
+          <a:p>
+            <a:r>
+              <a:rPr lang="en-US" sz="2400" dirty="0">
+                <a:latin typeface="Courier New" panose="02070309020205020404" pitchFamily="49" charset="0"/>
+                <a:cs typeface="Courier New" panose="02070309020205020404" pitchFamily="49" charset="0"/>
+              </a:rPr>
+              <a:t>Team = "</a:t>
+            </a:r>
+            <a:r>
+              <a:rPr lang="en-US" sz="2400" dirty="0" err="1">
+                <a:latin typeface="Courier New" panose="02070309020205020404" pitchFamily="49" charset="0"/>
+                <a:cs typeface="Courier New" panose="02070309020205020404" pitchFamily="49" charset="0"/>
+              </a:rPr>
+              <a:t>lakers</a:t>
+            </a:r>
+            <a:r>
+              <a:rPr lang="en-US" sz="2400" dirty="0">
+                <a:latin typeface="Courier New" panose="02070309020205020404" pitchFamily="49" charset="0"/>
+                <a:cs typeface="Courier New" panose="02070309020205020404" pitchFamily="49" charset="0"/>
+              </a:rPr>
+              <a:t>"</a:t>
+            </a:r>
+            <a:br>
+              <a:rPr lang="en-US" sz="2400" dirty="0">
+                <a:latin typeface="Courier New" panose="02070309020205020404" pitchFamily="49" charset="0"/>
+                <a:cs typeface="Courier New" panose="02070309020205020404" pitchFamily="49" charset="0"/>
+              </a:rPr>
+            </a:br>
+            <a:r>
+              <a:rPr lang="en-US" sz="2400" dirty="0" err="1">
+                <a:latin typeface="Courier New" panose="02070309020205020404" pitchFamily="49" charset="0"/>
+                <a:cs typeface="Courier New" panose="02070309020205020404" pitchFamily="49" charset="0"/>
+              </a:rPr>
+              <a:t>CapTeam</a:t>
+            </a:r>
+            <a:r>
+              <a:rPr lang="en-US" sz="2400" dirty="0">
+                <a:latin typeface="Courier New" panose="02070309020205020404" pitchFamily="49" charset="0"/>
+                <a:cs typeface="Courier New" panose="02070309020205020404" pitchFamily="49" charset="0"/>
+              </a:rPr>
+              <a:t> = </a:t>
+            </a:r>
+            <a:r>
+              <a:rPr lang="en-US" sz="2400" dirty="0" err="1">
+                <a:latin typeface="Courier New" panose="02070309020205020404" pitchFamily="49" charset="0"/>
+                <a:cs typeface="Courier New" panose="02070309020205020404" pitchFamily="49" charset="0"/>
+              </a:rPr>
+              <a:t>Team.upper</a:t>
+            </a:r>
+            <a:r>
+              <a:rPr lang="en-US" sz="2400" dirty="0">
+                <a:latin typeface="Courier New" panose="02070309020205020404" pitchFamily="49" charset="0"/>
+                <a:cs typeface="Courier New" panose="02070309020205020404" pitchFamily="49" charset="0"/>
+              </a:rPr>
+              <a:t>() #change </a:t>
+            </a:r>
+            <a:r>
+              <a:rPr lang="en-US" sz="2400" dirty="0" err="1">
+                <a:latin typeface="Courier New" panose="02070309020205020404" pitchFamily="49" charset="0"/>
+                <a:cs typeface="Courier New" panose="02070309020205020404" pitchFamily="49" charset="0"/>
+              </a:rPr>
+              <a:t>lakers</a:t>
+            </a:r>
+            <a:r>
+              <a:rPr lang="en-US" sz="2400" dirty="0">
+                <a:latin typeface="Courier New" panose="02070309020205020404" pitchFamily="49" charset="0"/>
+                <a:cs typeface="Courier New" panose="02070309020205020404" pitchFamily="49" charset="0"/>
+              </a:rPr>
+              <a:t> to LAKERS</a:t>
+            </a:r>
+          </a:p>
+          <a:p>
+            <a:endParaRPr lang="en-US" sz="2400" dirty="0">
+              <a:latin typeface="Courier New" panose="02070309020205020404" pitchFamily="49" charset="0"/>
+              <a:cs typeface="Courier New" panose="02070309020205020404" pitchFamily="49" charset="0"/>
+            </a:endParaRPr>
+          </a:p>
+          <a:p>
+            <a:endParaRPr lang="en-US" sz="2400" dirty="0">
+              <a:latin typeface="Courier New" panose="02070309020205020404" pitchFamily="49" charset="0"/>
+              <a:cs typeface="Courier New" panose="02070309020205020404" pitchFamily="49" charset="0"/>
+            </a:endParaRPr>
+          </a:p>
+          <a:p>
+            <a:r>
+              <a:rPr lang="en-US" sz="2400" dirty="0" err="1">
+                <a:latin typeface="Courier New" panose="02070309020205020404" pitchFamily="49" charset="0"/>
+                <a:cs typeface="Courier New" panose="02070309020205020404" pitchFamily="49" charset="0"/>
+              </a:rPr>
+              <a:t>Seq_one</a:t>
+            </a:r>
+            <a:r>
+              <a:rPr lang="en-US" sz="2400" dirty="0">
+                <a:latin typeface="Courier New" panose="02070309020205020404" pitchFamily="49" charset="0"/>
+                <a:cs typeface="Courier New" panose="02070309020205020404" pitchFamily="49" charset="0"/>
+              </a:rPr>
+              <a:t> = "</a:t>
+            </a:r>
+            <a:r>
+              <a:rPr lang="en-US" sz="2400" dirty="0" err="1">
+                <a:latin typeface="Courier New" panose="02070309020205020404" pitchFamily="49" charset="0"/>
+                <a:cs typeface="Courier New" panose="02070309020205020404" pitchFamily="49" charset="0"/>
+              </a:rPr>
+              <a:t>actgaaa</a:t>
+            </a:r>
+            <a:r>
+              <a:rPr lang="en-US" sz="2400" dirty="0">
+                <a:latin typeface="Courier New" panose="02070309020205020404" pitchFamily="49" charset="0"/>
+                <a:cs typeface="Courier New" panose="02070309020205020404" pitchFamily="49" charset="0"/>
+              </a:rPr>
+              <a:t>"</a:t>
+            </a:r>
+          </a:p>
+          <a:p>
+            <a:r>
+              <a:rPr lang="en-US" sz="2400" dirty="0" err="1">
+                <a:latin typeface="Courier New" panose="02070309020205020404" pitchFamily="49" charset="0"/>
+                <a:cs typeface="Courier New" panose="02070309020205020404" pitchFamily="49" charset="0"/>
+              </a:rPr>
+              <a:t>NewSeq</a:t>
+            </a:r>
+            <a:r>
+              <a:rPr lang="en-US" sz="2400" dirty="0">
+                <a:latin typeface="Courier New" panose="02070309020205020404" pitchFamily="49" charset="0"/>
+                <a:cs typeface="Courier New" panose="02070309020205020404" pitchFamily="49" charset="0"/>
+              </a:rPr>
+              <a:t> = </a:t>
+            </a:r>
+            <a:r>
+              <a:rPr lang="en-US" sz="2400" dirty="0" err="1">
+                <a:latin typeface="Courier New" panose="02070309020205020404" pitchFamily="49" charset="0"/>
+                <a:cs typeface="Courier New" panose="02070309020205020404" pitchFamily="49" charset="0"/>
+              </a:rPr>
+              <a:t>Seq_one.replace</a:t>
+            </a:r>
+            <a:r>
+              <a:rPr lang="en-US" sz="2400" dirty="0">
+                <a:latin typeface="Courier New" panose="02070309020205020404" pitchFamily="49" charset="0"/>
+                <a:cs typeface="Courier New" panose="02070309020205020404" pitchFamily="49" charset="0"/>
+              </a:rPr>
+              <a:t>('a', 't')	# replaces a with t</a:t>
+            </a:r>
+          </a:p>
+          <a:p>
+            <a:endParaRPr lang="en-US" sz="2400" dirty="0">
+              <a:latin typeface="Courier New" panose="02070309020205020404" pitchFamily="49" charset="0"/>
+              <a:cs typeface="Courier New" panose="02070309020205020404" pitchFamily="49" charset="0"/>
+            </a:endParaRPr>
+          </a:p>
+          <a:p>
+            <a:endParaRPr lang="en-US" sz="2400" dirty="0">
+              <a:latin typeface="Courier New" panose="02070309020205020404" pitchFamily="49" charset="0"/>
+              <a:cs typeface="Courier New" panose="02070309020205020404" pitchFamily="49" charset="0"/>
+            </a:endParaRPr>
+          </a:p>
+          <a:p>
+            <a:r>
+              <a:rPr lang="en-US" sz="2400" dirty="0" err="1">
+                <a:latin typeface="Courier New" panose="02070309020205020404" pitchFamily="49" charset="0"/>
+                <a:cs typeface="Courier New" panose="02070309020205020404" pitchFamily="49" charset="0"/>
+              </a:rPr>
+              <a:t>NewSeq</a:t>
+            </a:r>
+            <a:r>
+              <a:rPr lang="en-US" sz="2400" dirty="0">
+                <a:latin typeface="Courier New" panose="02070309020205020404" pitchFamily="49" charset="0"/>
+                <a:cs typeface="Courier New" panose="02070309020205020404" pitchFamily="49" charset="0"/>
+              </a:rPr>
+              <a:t> = </a:t>
+            </a:r>
+            <a:r>
+              <a:rPr lang="en-US" sz="2400" dirty="0" err="1">
+                <a:latin typeface="Courier New" panose="02070309020205020404" pitchFamily="49" charset="0"/>
+                <a:cs typeface="Courier New" panose="02070309020205020404" pitchFamily="49" charset="0"/>
+              </a:rPr>
+              <a:t>Seq_one.count</a:t>
+            </a:r>
+            <a:r>
+              <a:rPr lang="en-US" sz="2400" dirty="0">
+                <a:latin typeface="Courier New" panose="02070309020205020404" pitchFamily="49" charset="0"/>
+                <a:cs typeface="Courier New" panose="02070309020205020404" pitchFamily="49" charset="0"/>
+              </a:rPr>
+              <a:t>('A') 	# returns a count of match</a:t>
+            </a:r>
+          </a:p>
+          <a:p>
+            <a:endParaRPr lang="en-US" sz="2400" dirty="0">
+              <a:latin typeface="Courier New" panose="02070309020205020404" pitchFamily="49" charset="0"/>
+              <a:cs typeface="Courier New" panose="02070309020205020404" pitchFamily="49" charset="0"/>
+            </a:endParaRPr>
+          </a:p>
+          <a:p>
+            <a:endParaRPr lang="en-US" sz="2400" dirty="0">
+              <a:effectLst/>
+              <a:latin typeface="Courier New" panose="02070309020205020404" pitchFamily="49" charset="0"/>
+              <a:cs typeface="Courier New" panose="02070309020205020404" pitchFamily="49" charset="0"/>
+            </a:endParaRPr>
+          </a:p>
+        </p:txBody>
+      </p:sp>
+      <p:sp>
+        <p:nvSpPr>
+          <p:cNvPr id="3" name="TextBox 2">
+            <a:extLst>
+              <a:ext uri="{FF2B5EF4-FFF2-40B4-BE49-F238E27FC236}">
+                <a16:creationId xmlns:a16="http://schemas.microsoft.com/office/drawing/2014/main" id="{7CADF43A-5881-B345-A303-7A2840F28C4F}"/>
+              </a:ext>
+            </a:extLst>
+          </p:cNvPr>
+          <p:cNvSpPr txBox="1"/>
+          <p:nvPr/>
+        </p:nvSpPr>
+        <p:spPr>
+          <a:xfrm>
+            <a:off x="1934432" y="397565"/>
+            <a:ext cx="7875874" cy="600164"/>
+          </a:xfrm>
+          <a:prstGeom prst="rect">
+            <a:avLst/>
+          </a:prstGeom>
+          <a:noFill/>
+        </p:spPr>
+        <p:txBody>
+          <a:bodyPr wrap="none" rtlCol="0">
+            <a:spAutoFit/>
+          </a:bodyPr>
+          <a:lstStyle/>
+          <a:p>
+            <a:r>
+              <a:rPr lang="en-US" sz="3300" b="1" dirty="0">
+                <a:latin typeface="Helvetica Light" panose="020B0403020202020204" pitchFamily="34" charset="0"/>
+              </a:rPr>
+              <a:t>Scalars: built in string functions/methods</a:t>
+            </a:r>
+          </a:p>
+        </p:txBody>
+      </p:sp>
+      <p:sp>
+        <p:nvSpPr>
+          <p:cNvPr id="4" name="TextBox 3">
+            <a:extLst>
+              <a:ext uri="{FF2B5EF4-FFF2-40B4-BE49-F238E27FC236}">
+                <a16:creationId xmlns:a16="http://schemas.microsoft.com/office/drawing/2014/main" id="{8B82A06A-2B68-2340-8CE4-3FB2C6417880}"/>
+              </a:ext>
+            </a:extLst>
+          </p:cNvPr>
+          <p:cNvSpPr txBox="1"/>
+          <p:nvPr/>
+        </p:nvSpPr>
+        <p:spPr>
+          <a:xfrm>
+            <a:off x="3614530" y="1286721"/>
+            <a:ext cx="4365298" cy="523220"/>
+          </a:xfrm>
+          <a:prstGeom prst="rect">
+            <a:avLst/>
+          </a:prstGeom>
+          <a:noFill/>
+        </p:spPr>
+        <p:txBody>
+          <a:bodyPr wrap="none" rtlCol="0">
+            <a:spAutoFit/>
+          </a:bodyPr>
+          <a:lstStyle/>
+          <a:p>
+            <a:r>
+              <a:rPr lang="en-US" sz="2800" dirty="0" err="1">
+                <a:latin typeface="Helvetica Light" panose="020B0403020202020204" pitchFamily="34" charset="0"/>
+              </a:rPr>
+              <a:t>StringName.</a:t>
+            </a:r>
+            <a:r>
+              <a:rPr lang="en-US" sz="2800" b="1" dirty="0" err="1">
+                <a:latin typeface="Helvetica Light" panose="020B0403020202020204" pitchFamily="34" charset="0"/>
+              </a:rPr>
+              <a:t>functionname</a:t>
+            </a:r>
+            <a:endParaRPr lang="en-US" sz="2800" b="1" dirty="0">
+              <a:latin typeface="Helvetica Light" panose="020B0403020202020204" pitchFamily="34" charset="0"/>
+            </a:endParaRPr>
+          </a:p>
+        </p:txBody>
+      </p:sp>
+    </p:spTree>
+    <p:extLst>
+      <p:ext uri="{BB962C8B-B14F-4D97-AF65-F5344CB8AC3E}">
+        <p14:creationId xmlns:p14="http://schemas.microsoft.com/office/powerpoint/2010/main" val="1273174221"/>
+      </p:ext>
+    </p:extLst>
+  </p:cSld>
+  <p:clrMapOvr>
+    <a:masterClrMapping/>
+  </p:clrMapOvr>
+</p:sld>
+</file>
+
+<file path=ppt/slides/slide8.xml><?xml version="1.0" encoding="utf-8"?>
+<p:sld xmlns:a="http://schemas.openxmlformats.org/drawingml/2006/main" xmlns:r="http://schemas.openxmlformats.org/officeDocument/2006/relationships" xmlns:p="http://schemas.openxmlformats.org/presentationml/2006/main">
+  <p:cSld>
+    <p:spTree>
+      <p:nvGrpSpPr>
+        <p:cNvPr id="1" name=""/>
+        <p:cNvGrpSpPr/>
+        <p:nvPr/>
+      </p:nvGrpSpPr>
+      <p:grpSpPr>
+        <a:xfrm>
+          <a:off x="0" y="0"/>
+          <a:ext cx="0" cy="0"/>
+          <a:chOff x="0" y="0"/>
+          <a:chExt cx="0" cy="0"/>
+        </a:xfrm>
+      </p:grpSpPr>
+      <p:sp>
+        <p:nvSpPr>
+          <p:cNvPr id="2" name="Rectangle 1">
+            <a:extLst>
+              <a:ext uri="{FF2B5EF4-FFF2-40B4-BE49-F238E27FC236}">
+                <a16:creationId xmlns:a16="http://schemas.microsoft.com/office/drawing/2014/main" id="{64BEB290-A9D9-A94B-8702-E860D8F938B4}"/>
+              </a:ext>
+            </a:extLst>
+          </p:cNvPr>
+          <p:cNvSpPr/>
+          <p:nvPr/>
+        </p:nvSpPr>
+        <p:spPr>
+          <a:xfrm>
+            <a:off x="629478" y="2098933"/>
+            <a:ext cx="10485782" cy="4154984"/>
+          </a:xfrm>
+          <a:prstGeom prst="rect">
+            <a:avLst/>
+          </a:prstGeom>
+        </p:spPr>
+        <p:txBody>
+          <a:bodyPr wrap="square">
+            <a:spAutoFit/>
+          </a:bodyPr>
+          <a:lstStyle/>
+          <a:p>
+            <a:r>
+              <a:rPr lang="en-US" sz="2400" dirty="0">
+                <a:latin typeface="Courier New" panose="02070309020205020404" pitchFamily="49" charset="0"/>
+                <a:cs typeface="Courier New" panose="02070309020205020404" pitchFamily="49" charset="0"/>
+              </a:rPr>
+              <a:t>Team = "lakers"</a:t>
+            </a:r>
+            <a:br>
+              <a:rPr lang="en-US" sz="2400" dirty="0">
+                <a:latin typeface="Courier New" panose="02070309020205020404" pitchFamily="49" charset="0"/>
+                <a:cs typeface="Courier New" panose="02070309020205020404" pitchFamily="49" charset="0"/>
+              </a:rPr>
+            </a:br>
+            <a:r>
+              <a:rPr lang="en-US" sz="2400" dirty="0" err="1">
+                <a:latin typeface="Courier New" panose="02070309020205020404" pitchFamily="49" charset="0"/>
+                <a:cs typeface="Courier New" panose="02070309020205020404" pitchFamily="49" charset="0"/>
+              </a:rPr>
+              <a:t>Team.isalpha</a:t>
+            </a:r>
+            <a:r>
+              <a:rPr lang="en-US" sz="2400" dirty="0">
+                <a:latin typeface="Courier New" panose="02070309020205020404" pitchFamily="49" charset="0"/>
+                <a:cs typeface="Courier New" panose="02070309020205020404" pitchFamily="49" charset="0"/>
+              </a:rPr>
+              <a:t>() #should return ’True’</a:t>
+            </a:r>
+          </a:p>
+          <a:p>
+            <a:endParaRPr lang="en-US" sz="2400" dirty="0">
+              <a:latin typeface="Courier New" panose="02070309020205020404" pitchFamily="49" charset="0"/>
+              <a:cs typeface="Courier New" panose="02070309020205020404" pitchFamily="49" charset="0"/>
+            </a:endParaRPr>
+          </a:p>
+          <a:p>
+            <a:endParaRPr lang="en-US" sz="2400" dirty="0">
+              <a:latin typeface="Courier New" panose="02070309020205020404" pitchFamily="49" charset="0"/>
+              <a:cs typeface="Courier New" panose="02070309020205020404" pitchFamily="49" charset="0"/>
+            </a:endParaRPr>
+          </a:p>
+          <a:p>
+            <a:r>
+              <a:rPr lang="en-US" sz="2400" dirty="0" err="1">
+                <a:latin typeface="Courier New" panose="02070309020205020404" pitchFamily="49" charset="0"/>
+                <a:cs typeface="Courier New" panose="02070309020205020404" pitchFamily="49" charset="0"/>
+              </a:rPr>
+              <a:t>Seq_one</a:t>
+            </a:r>
+            <a:r>
+              <a:rPr lang="en-US" sz="2400" dirty="0">
+                <a:latin typeface="Courier New" panose="02070309020205020404" pitchFamily="49" charset="0"/>
+                <a:cs typeface="Courier New" panose="02070309020205020404" pitchFamily="49" charset="0"/>
+              </a:rPr>
+              <a:t> = "</a:t>
+            </a:r>
+            <a:r>
+              <a:rPr lang="en-US" sz="2400" dirty="0" err="1">
+                <a:latin typeface="Courier New" panose="02070309020205020404" pitchFamily="49" charset="0"/>
+                <a:cs typeface="Courier New" panose="02070309020205020404" pitchFamily="49" charset="0"/>
+              </a:rPr>
+              <a:t>actgaaa</a:t>
+            </a:r>
+            <a:r>
+              <a:rPr lang="en-US" sz="2400" dirty="0">
+                <a:latin typeface="Courier New" panose="02070309020205020404" pitchFamily="49" charset="0"/>
+                <a:cs typeface="Courier New" panose="02070309020205020404" pitchFamily="49" charset="0"/>
+              </a:rPr>
+              <a:t>"</a:t>
+            </a:r>
+          </a:p>
+          <a:p>
+            <a:r>
+              <a:rPr lang="en-US" sz="2400" dirty="0" err="1">
+                <a:latin typeface="Courier New" panose="02070309020205020404" pitchFamily="49" charset="0"/>
+                <a:cs typeface="Courier New" panose="02070309020205020404" pitchFamily="49" charset="0"/>
+              </a:rPr>
+              <a:t>NewSeq</a:t>
+            </a:r>
+            <a:r>
+              <a:rPr lang="en-US" sz="2400" dirty="0">
+                <a:latin typeface="Courier New" panose="02070309020205020404" pitchFamily="49" charset="0"/>
+                <a:cs typeface="Courier New" panose="02070309020205020404" pitchFamily="49" charset="0"/>
+              </a:rPr>
+              <a:t> = </a:t>
+            </a:r>
+            <a:r>
+              <a:rPr lang="en-US" sz="2400" dirty="0" err="1">
+                <a:latin typeface="Courier New" panose="02070309020205020404" pitchFamily="49" charset="0"/>
+                <a:cs typeface="Courier New" panose="02070309020205020404" pitchFamily="49" charset="0"/>
+              </a:rPr>
+              <a:t>Seq_one.strip</a:t>
+            </a:r>
+            <a:r>
+              <a:rPr lang="en-US" sz="2400" dirty="0">
+                <a:latin typeface="Courier New" panose="02070309020205020404" pitchFamily="49" charset="0"/>
+                <a:cs typeface="Courier New" panose="02070309020205020404" pitchFamily="49" charset="0"/>
+              </a:rPr>
+              <a:t>(‘</a:t>
+            </a:r>
+            <a:r>
+              <a:rPr lang="en-US" sz="2400" dirty="0" err="1">
+                <a:latin typeface="Courier New" panose="02070309020205020404" pitchFamily="49" charset="0"/>
+                <a:cs typeface="Courier New" panose="02070309020205020404" pitchFamily="49" charset="0"/>
+              </a:rPr>
+              <a:t>aaa</a:t>
+            </a:r>
+            <a:r>
+              <a:rPr lang="en-US" sz="2400" dirty="0">
+                <a:latin typeface="Courier New" panose="02070309020205020404" pitchFamily="49" charset="0"/>
+                <a:cs typeface="Courier New" panose="02070309020205020404" pitchFamily="49" charset="0"/>
+              </a:rPr>
+              <a:t>')	# removes ‘</a:t>
+            </a:r>
+            <a:r>
+              <a:rPr lang="en-US" sz="2400" dirty="0" err="1">
+                <a:latin typeface="Courier New" panose="02070309020205020404" pitchFamily="49" charset="0"/>
+                <a:cs typeface="Courier New" panose="02070309020205020404" pitchFamily="49" charset="0"/>
+              </a:rPr>
+              <a:t>aaa</a:t>
+            </a:r>
+            <a:r>
+              <a:rPr lang="en-US" sz="2400" dirty="0">
+                <a:latin typeface="Courier New" panose="02070309020205020404" pitchFamily="49" charset="0"/>
+                <a:cs typeface="Courier New" panose="02070309020205020404" pitchFamily="49" charset="0"/>
+              </a:rPr>
+              <a:t>’</a:t>
+            </a:r>
+          </a:p>
+          <a:p>
+            <a:endParaRPr lang="en-US" sz="2400" dirty="0">
+              <a:latin typeface="Courier New" panose="02070309020205020404" pitchFamily="49" charset="0"/>
+              <a:cs typeface="Courier New" panose="02070309020205020404" pitchFamily="49" charset="0"/>
+            </a:endParaRPr>
+          </a:p>
+          <a:p>
+            <a:endParaRPr lang="en-US" sz="2400" dirty="0">
+              <a:latin typeface="Courier New" panose="02070309020205020404" pitchFamily="49" charset="0"/>
+              <a:cs typeface="Courier New" panose="02070309020205020404" pitchFamily="49" charset="0"/>
+            </a:endParaRPr>
+          </a:p>
+          <a:p>
+            <a:r>
+              <a:rPr lang="en-US" sz="2400" dirty="0" err="1">
+                <a:latin typeface="Courier New" panose="02070309020205020404" pitchFamily="49" charset="0"/>
+                <a:cs typeface="Courier New" panose="02070309020205020404" pitchFamily="49" charset="0"/>
+              </a:rPr>
+              <a:t>NewSeq</a:t>
+            </a:r>
+            <a:r>
+              <a:rPr lang="en-US" sz="2400" dirty="0">
+                <a:latin typeface="Courier New" panose="02070309020205020404" pitchFamily="49" charset="0"/>
+                <a:cs typeface="Courier New" panose="02070309020205020404" pitchFamily="49" charset="0"/>
+              </a:rPr>
+              <a:t> = </a:t>
+            </a:r>
+            <a:r>
+              <a:rPr lang="en-US" sz="2400" dirty="0" err="1">
+                <a:latin typeface="Courier New" panose="02070309020205020404" pitchFamily="49" charset="0"/>
+                <a:cs typeface="Courier New" panose="02070309020205020404" pitchFamily="49" charset="0"/>
+              </a:rPr>
+              <a:t>Seq_one.upper</a:t>
+            </a:r>
+            <a:r>
+              <a:rPr lang="en-US" sz="2400" dirty="0">
+                <a:latin typeface="Courier New" panose="02070309020205020404" pitchFamily="49" charset="0"/>
+                <a:cs typeface="Courier New" panose="02070309020205020404" pitchFamily="49" charset="0"/>
+              </a:rPr>
+              <a:t>() 	</a:t>
+            </a:r>
+          </a:p>
+          <a:p>
+            <a:r>
+              <a:rPr lang="en-US" sz="2400" dirty="0">
+                <a:latin typeface="Courier New" panose="02070309020205020404" pitchFamily="49" charset="0"/>
+                <a:cs typeface="Courier New" panose="02070309020205020404" pitchFamily="49" charset="0"/>
+              </a:rPr>
+              <a:t>Print(</a:t>
+            </a:r>
+            <a:r>
+              <a:rPr lang="en-US" sz="2400" dirty="0" err="1">
+                <a:latin typeface="Courier New" panose="02070309020205020404" pitchFamily="49" charset="0"/>
+                <a:cs typeface="Courier New" panose="02070309020205020404" pitchFamily="49" charset="0"/>
+              </a:rPr>
+              <a:t>NewSeq</a:t>
+            </a:r>
+            <a:r>
+              <a:rPr lang="en-US" sz="2400" dirty="0">
+                <a:latin typeface="Courier New" panose="02070309020205020404" pitchFamily="49" charset="0"/>
+                <a:cs typeface="Courier New" panose="02070309020205020404" pitchFamily="49" charset="0"/>
+              </a:rPr>
+              <a:t>)				# converts to caps</a:t>
+            </a:r>
+          </a:p>
+          <a:p>
+            <a:endParaRPr lang="en-US" sz="2400" dirty="0">
+              <a:effectLst/>
+              <a:latin typeface="Courier New" panose="02070309020205020404" pitchFamily="49" charset="0"/>
+              <a:cs typeface="Courier New" panose="02070309020205020404" pitchFamily="49" charset="0"/>
+            </a:endParaRPr>
+          </a:p>
+        </p:txBody>
+      </p:sp>
+      <p:sp>
+        <p:nvSpPr>
+          <p:cNvPr id="3" name="TextBox 2">
+            <a:extLst>
+              <a:ext uri="{FF2B5EF4-FFF2-40B4-BE49-F238E27FC236}">
+                <a16:creationId xmlns:a16="http://schemas.microsoft.com/office/drawing/2014/main" id="{7CADF43A-5881-B345-A303-7A2840F28C4F}"/>
+              </a:ext>
+            </a:extLst>
+          </p:cNvPr>
+          <p:cNvSpPr txBox="1"/>
+          <p:nvPr/>
+        </p:nvSpPr>
+        <p:spPr>
+          <a:xfrm>
+            <a:off x="1934432" y="397565"/>
+            <a:ext cx="7875874" cy="600164"/>
+          </a:xfrm>
+          <a:prstGeom prst="rect">
+            <a:avLst/>
+          </a:prstGeom>
+          <a:noFill/>
+        </p:spPr>
+        <p:txBody>
+          <a:bodyPr wrap="none" rtlCol="0">
+            <a:spAutoFit/>
+          </a:bodyPr>
+          <a:lstStyle/>
+          <a:p>
+            <a:r>
+              <a:rPr lang="en-US" sz="3300" b="1" dirty="0">
+                <a:latin typeface="Helvetica Light" panose="020B0403020202020204" pitchFamily="34" charset="0"/>
+              </a:rPr>
+              <a:t>Scalars: built in string functions/methods</a:t>
+            </a:r>
+          </a:p>
+        </p:txBody>
+      </p:sp>
+      <p:sp>
+        <p:nvSpPr>
+          <p:cNvPr id="4" name="TextBox 3">
+            <a:extLst>
+              <a:ext uri="{FF2B5EF4-FFF2-40B4-BE49-F238E27FC236}">
+                <a16:creationId xmlns:a16="http://schemas.microsoft.com/office/drawing/2014/main" id="{8B82A06A-2B68-2340-8CE4-3FB2C6417880}"/>
+              </a:ext>
+            </a:extLst>
+          </p:cNvPr>
+          <p:cNvSpPr txBox="1"/>
+          <p:nvPr/>
+        </p:nvSpPr>
+        <p:spPr>
+          <a:xfrm>
+            <a:off x="3614530" y="1286721"/>
+            <a:ext cx="4365298" cy="523220"/>
+          </a:xfrm>
+          <a:prstGeom prst="rect">
+            <a:avLst/>
+          </a:prstGeom>
+          <a:noFill/>
+        </p:spPr>
+        <p:txBody>
+          <a:bodyPr wrap="none" rtlCol="0">
+            <a:spAutoFit/>
+          </a:bodyPr>
+          <a:lstStyle/>
+          <a:p>
+            <a:r>
+              <a:rPr lang="en-US" sz="2800" dirty="0" err="1">
+                <a:latin typeface="Helvetica Light" panose="020B0403020202020204" pitchFamily="34" charset="0"/>
+              </a:rPr>
+              <a:t>StringName.</a:t>
+            </a:r>
+            <a:r>
+              <a:rPr lang="en-US" sz="2800" b="1" dirty="0" err="1">
+                <a:latin typeface="Helvetica Light" panose="020B0403020202020204" pitchFamily="34" charset="0"/>
+              </a:rPr>
+              <a:t>functionname</a:t>
+            </a:r>
+            <a:endParaRPr lang="en-US" sz="2800" b="1" dirty="0">
+              <a:latin typeface="Helvetica Light" panose="020B0403020202020204" pitchFamily="34" charset="0"/>
+            </a:endParaRPr>
+          </a:p>
+        </p:txBody>
+      </p:sp>
+    </p:spTree>
+    <p:extLst>
+      <p:ext uri="{BB962C8B-B14F-4D97-AF65-F5344CB8AC3E}">
+        <p14:creationId xmlns:p14="http://schemas.microsoft.com/office/powerpoint/2010/main" val="3682053524"/>
+      </p:ext>
+    </p:extLst>
+  </p:cSld>
+  <p:clrMapOvr>
+    <a:masterClrMapping/>
+  </p:clrMapOvr>
+</p:sld>
+</file>
+
+<file path=ppt/slides/slide9.xml><?xml version="1.0" encoding="utf-8"?>
+<p:sld xmlns:a="http://schemas.openxmlformats.org/drawingml/2006/main" xmlns:r="http://schemas.openxmlformats.org/officeDocument/2006/relationships" xmlns:p="http://schemas.openxmlformats.org/presentationml/2006/main">
+  <p:cSld>
+    <p:spTree>
+      <p:nvGrpSpPr>
+        <p:cNvPr id="1" name=""/>
+        <p:cNvGrpSpPr/>
+        <p:nvPr/>
+      </p:nvGrpSpPr>
+      <p:grpSpPr>
+        <a:xfrm>
+          <a:off x="0" y="0"/>
+          <a:ext cx="0" cy="0"/>
+          <a:chOff x="0" y="0"/>
+          <a:chExt cx="0" cy="0"/>
+        </a:xfrm>
+      </p:grpSpPr>
+      <p:sp>
+        <p:nvSpPr>
           <p:cNvPr id="2" name="TextBox 1">
             <a:extLst>
               <a:ext uri="{FF2B5EF4-FFF2-40B4-BE49-F238E27FC236}">
@@ -7168,7 +8196,7 @@
                 <a:latin typeface="Courier New" panose="02070309020205020404" pitchFamily="49" charset="0"/>
                 <a:cs typeface="Courier New" panose="02070309020205020404" pitchFamily="49" charset="0"/>
               </a:rPr>
-              <a:t>Dig1 = 13		# no quotes for digits</a:t>
+              <a:t>Dig1 = 13		# no quotes for integers</a:t>
             </a:r>
           </a:p>
           <a:p>
@@ -7397,636 +8425,6 @@
       <p:bldP spid="6" grpId="0"/>
     </p:bldLst>
   </p:timing>
-</p:sld>
-</file>
-
-<file path=ppt/slides/slide8.xml><?xml version="1.0" encoding="utf-8"?>
-<p:sld xmlns:a="http://schemas.openxmlformats.org/drawingml/2006/main" xmlns:r="http://schemas.openxmlformats.org/officeDocument/2006/relationships" xmlns:p="http://schemas.openxmlformats.org/presentationml/2006/main">
-  <p:cSld>
-    <p:spTree>
-      <p:nvGrpSpPr>
-        <p:cNvPr id="1" name=""/>
-        <p:cNvGrpSpPr/>
-        <p:nvPr/>
-      </p:nvGrpSpPr>
-      <p:grpSpPr>
-        <a:xfrm>
-          <a:off x="0" y="0"/>
-          <a:ext cx="0" cy="0"/>
-          <a:chOff x="0" y="0"/>
-          <a:chExt cx="0" cy="0"/>
-        </a:xfrm>
-      </p:grpSpPr>
-      <p:sp>
-        <p:nvSpPr>
-          <p:cNvPr id="2" name="Rectangle 1">
-            <a:extLst>
-              <a:ext uri="{FF2B5EF4-FFF2-40B4-BE49-F238E27FC236}">
-                <a16:creationId xmlns:a16="http://schemas.microsoft.com/office/drawing/2014/main" id="{75B6E8E4-FEE0-6748-A507-33295519B353}"/>
-              </a:ext>
-            </a:extLst>
-          </p:cNvPr>
-          <p:cNvSpPr/>
-          <p:nvPr/>
-        </p:nvSpPr>
-        <p:spPr>
-          <a:xfrm>
-            <a:off x="2367169" y="1409878"/>
-            <a:ext cx="6813853" cy="446276"/>
-          </a:xfrm>
-          <a:prstGeom prst="rect">
-            <a:avLst/>
-          </a:prstGeom>
-        </p:spPr>
-        <p:txBody>
-          <a:bodyPr wrap="none">
-            <a:spAutoFit/>
-          </a:bodyPr>
-          <a:lstStyle/>
-          <a:p>
-            <a:r>
-              <a:rPr lang="en-US" sz="2300" dirty="0">
-                <a:latin typeface="Courier New" panose="02070309020205020404" pitchFamily="49" charset="0"/>
-                <a:ea typeface="Courier New" panose="02070309020205020404" pitchFamily="49" charset="0"/>
-                <a:cs typeface="Courier New" panose="02070309020205020404" pitchFamily="49" charset="0"/>
-              </a:rPr>
-              <a:t>%d</a:t>
-            </a:r>
-            <a:r>
-              <a:rPr lang="en-US" sz="2300" dirty="0">
-                <a:latin typeface="Courier New" panose="02070309020205020404" pitchFamily="49" charset="0"/>
-                <a:ea typeface="Times New Roman" panose="02020603050405020304" pitchFamily="18" charset="0"/>
-                <a:cs typeface="Courier New" panose="02070309020205020404" pitchFamily="49" charset="0"/>
-              </a:rPr>
-              <a:t> </a:t>
-            </a:r>
-            <a:r>
-              <a:rPr lang="en-US" sz="2300" dirty="0">
-                <a:latin typeface="+mj-lt"/>
-                <a:ea typeface="Times New Roman" panose="02020603050405020304" pitchFamily="18" charset="0"/>
-              </a:rPr>
-              <a:t>for an integer, </a:t>
-            </a:r>
-            <a:r>
-              <a:rPr lang="en-US" sz="2300" dirty="0">
-                <a:latin typeface="Courier New" panose="02070309020205020404" pitchFamily="49" charset="0"/>
-                <a:ea typeface="Courier New" panose="02070309020205020404" pitchFamily="49" charset="0"/>
-                <a:cs typeface="Courier New" panose="02070309020205020404" pitchFamily="49" charset="0"/>
-              </a:rPr>
-              <a:t>%f</a:t>
-            </a:r>
-            <a:r>
-              <a:rPr lang="en-US" sz="2300" dirty="0">
-                <a:latin typeface="Courier New" panose="02070309020205020404" pitchFamily="49" charset="0"/>
-                <a:ea typeface="Times New Roman" panose="02020603050405020304" pitchFamily="18" charset="0"/>
-                <a:cs typeface="Courier New" panose="02070309020205020404" pitchFamily="49" charset="0"/>
-              </a:rPr>
-              <a:t> </a:t>
-            </a:r>
-            <a:r>
-              <a:rPr lang="en-US" sz="2300" dirty="0">
-                <a:latin typeface="+mj-lt"/>
-                <a:ea typeface="Times New Roman" panose="02020603050405020304" pitchFamily="18" charset="0"/>
-              </a:rPr>
-              <a:t>for a float, and</a:t>
-            </a:r>
-            <a:r>
-              <a:rPr lang="en-US" sz="2300" dirty="0">
-                <a:latin typeface="Courier New" panose="02070309020205020404" pitchFamily="49" charset="0"/>
-                <a:ea typeface="Times New Roman" panose="02020603050405020304" pitchFamily="18" charset="0"/>
-                <a:cs typeface="Courier New" panose="02070309020205020404" pitchFamily="49" charset="0"/>
-              </a:rPr>
-              <a:t> </a:t>
-            </a:r>
-            <a:r>
-              <a:rPr lang="en-US" sz="2300" dirty="0">
-                <a:latin typeface="Courier New" panose="02070309020205020404" pitchFamily="49" charset="0"/>
-                <a:ea typeface="Courier New" panose="02070309020205020404" pitchFamily="49" charset="0"/>
-                <a:cs typeface="Courier New" panose="02070309020205020404" pitchFamily="49" charset="0"/>
-              </a:rPr>
-              <a:t>%s</a:t>
-            </a:r>
-            <a:r>
-              <a:rPr lang="en-US" sz="2300" dirty="0">
-                <a:latin typeface="Courier New" panose="02070309020205020404" pitchFamily="49" charset="0"/>
-                <a:ea typeface="Times New Roman" panose="02020603050405020304" pitchFamily="18" charset="0"/>
-                <a:cs typeface="Courier New" panose="02070309020205020404" pitchFamily="49" charset="0"/>
-              </a:rPr>
-              <a:t> </a:t>
-            </a:r>
-            <a:r>
-              <a:rPr lang="en-US" sz="2300" dirty="0">
-                <a:latin typeface="+mj-lt"/>
-                <a:ea typeface="Times New Roman" panose="02020603050405020304" pitchFamily="18" charset="0"/>
-              </a:rPr>
-              <a:t>for a string. </a:t>
-            </a:r>
-            <a:endParaRPr lang="en-US" sz="2300" dirty="0">
-              <a:latin typeface="+mj-lt"/>
-            </a:endParaRPr>
-          </a:p>
-        </p:txBody>
-      </p:sp>
-      <p:sp>
-        <p:nvSpPr>
-          <p:cNvPr id="3" name="TextBox 2">
-            <a:extLst>
-              <a:ext uri="{FF2B5EF4-FFF2-40B4-BE49-F238E27FC236}">
-                <a16:creationId xmlns:a16="http://schemas.microsoft.com/office/drawing/2014/main" id="{623CF459-0F89-D345-AA63-7A331BEB4ACC}"/>
-              </a:ext>
-            </a:extLst>
-          </p:cNvPr>
-          <p:cNvSpPr txBox="1"/>
-          <p:nvPr/>
-        </p:nvSpPr>
-        <p:spPr>
-          <a:xfrm>
-            <a:off x="1752950" y="327991"/>
-            <a:ext cx="7800533" cy="1031051"/>
-          </a:xfrm>
-          <a:prstGeom prst="rect">
-            <a:avLst/>
-          </a:prstGeom>
-          <a:noFill/>
-        </p:spPr>
-        <p:txBody>
-          <a:bodyPr wrap="none" rtlCol="0">
-            <a:spAutoFit/>
-          </a:bodyPr>
-          <a:lstStyle/>
-          <a:p>
-            <a:pPr algn="ctr"/>
-            <a:r>
-              <a:rPr lang="en-US" sz="3300" b="1" dirty="0">
-                <a:latin typeface="Helvetica Light" panose="020B0403020202020204" pitchFamily="34" charset="0"/>
-              </a:rPr>
-              <a:t>% operator: </a:t>
-            </a:r>
-          </a:p>
-          <a:p>
-            <a:pPr algn="ctr"/>
-            <a:r>
-              <a:rPr lang="en-US" sz="2800" dirty="0">
-                <a:latin typeface="Helvetica Light" panose="020B0403020202020204" pitchFamily="34" charset="0"/>
-              </a:rPr>
-              <a:t>controlling format of scalars in print statements </a:t>
-            </a:r>
-          </a:p>
-        </p:txBody>
-      </p:sp>
-      <p:sp>
-        <p:nvSpPr>
-          <p:cNvPr id="4" name="Rectangle 3">
-            <a:extLst>
-              <a:ext uri="{FF2B5EF4-FFF2-40B4-BE49-F238E27FC236}">
-                <a16:creationId xmlns:a16="http://schemas.microsoft.com/office/drawing/2014/main" id="{049F0A66-6705-AA49-B188-62B08748F2C7}"/>
-              </a:ext>
-            </a:extLst>
-          </p:cNvPr>
-          <p:cNvSpPr/>
-          <p:nvPr/>
-        </p:nvSpPr>
-        <p:spPr>
-          <a:xfrm>
-            <a:off x="1085020" y="2925497"/>
-            <a:ext cx="9604513" cy="886397"/>
-          </a:xfrm>
-          <a:prstGeom prst="rect">
-            <a:avLst/>
-          </a:prstGeom>
-        </p:spPr>
-        <p:txBody>
-          <a:bodyPr wrap="square">
-            <a:spAutoFit/>
-          </a:bodyPr>
-          <a:lstStyle/>
-          <a:p>
-            <a:pPr>
-              <a:lnSpc>
-                <a:spcPct val="115000"/>
-              </a:lnSpc>
-            </a:pPr>
-            <a:r>
-              <a:rPr lang="en-US" sz="2400" dirty="0">
-                <a:solidFill>
-                  <a:srgbClr val="000000"/>
-                </a:solidFill>
-                <a:latin typeface="Courier New" panose="02070309020205020404" pitchFamily="49" charset="0"/>
-                <a:ea typeface="Courier New" panose="02070309020205020404" pitchFamily="49" charset="0"/>
-              </a:rPr>
-              <a:t>Prod = 2/3</a:t>
-            </a:r>
-          </a:p>
-          <a:p>
-            <a:r>
-              <a:rPr lang="en-US" sz="2400" dirty="0">
-                <a:latin typeface="Courier New" panose="02070309020205020404" pitchFamily="49" charset="0"/>
-                <a:cs typeface="Courier New" panose="02070309020205020404" pitchFamily="49" charset="0"/>
-              </a:rPr>
-              <a:t>print ("2/3 should equal roughly %.3f" % (Prod))</a:t>
-            </a:r>
-          </a:p>
-        </p:txBody>
-      </p:sp>
-      <p:sp>
-        <p:nvSpPr>
-          <p:cNvPr id="5" name="Rectangle 4">
-            <a:extLst>
-              <a:ext uri="{FF2B5EF4-FFF2-40B4-BE49-F238E27FC236}">
-                <a16:creationId xmlns:a16="http://schemas.microsoft.com/office/drawing/2014/main" id="{5DB98B2A-C8E4-5E49-8404-193C135195AE}"/>
-              </a:ext>
-            </a:extLst>
-          </p:cNvPr>
-          <p:cNvSpPr/>
-          <p:nvPr/>
-        </p:nvSpPr>
-        <p:spPr>
-          <a:xfrm>
-            <a:off x="1085020" y="2294809"/>
-            <a:ext cx="5259773" cy="446276"/>
-          </a:xfrm>
-          <a:prstGeom prst="rect">
-            <a:avLst/>
-          </a:prstGeom>
-        </p:spPr>
-        <p:txBody>
-          <a:bodyPr wrap="none">
-            <a:spAutoFit/>
-          </a:bodyPr>
-          <a:lstStyle/>
-          <a:p>
-            <a:r>
-              <a:rPr lang="en-US" sz="2300" dirty="0">
-                <a:latin typeface="Courier New" panose="02070309020205020404" pitchFamily="49" charset="0"/>
-                <a:ea typeface="Courier New" panose="02070309020205020404" pitchFamily="49" charset="0"/>
-                <a:cs typeface="Courier New" panose="02070309020205020404" pitchFamily="49" charset="0"/>
-              </a:rPr>
-              <a:t>%f </a:t>
-            </a:r>
-            <a:r>
-              <a:rPr lang="en-US" sz="2300" dirty="0">
-                <a:latin typeface="Helvetica Light" panose="020B0403020202020204" pitchFamily="34" charset="0"/>
-                <a:ea typeface="Courier New" panose="02070309020205020404" pitchFamily="49" charset="0"/>
-                <a:cs typeface="Courier New" panose="02070309020205020404" pitchFamily="49" charset="0"/>
-              </a:rPr>
-              <a:t>controls precision of floats printed.</a:t>
-            </a:r>
-            <a:endParaRPr lang="en-US" sz="2300" dirty="0">
-              <a:latin typeface="+mj-lt"/>
-            </a:endParaRPr>
-          </a:p>
-        </p:txBody>
-      </p:sp>
-      <p:sp>
-        <p:nvSpPr>
-          <p:cNvPr id="6" name="Rectangle 5">
-            <a:extLst>
-              <a:ext uri="{FF2B5EF4-FFF2-40B4-BE49-F238E27FC236}">
-                <a16:creationId xmlns:a16="http://schemas.microsoft.com/office/drawing/2014/main" id="{E454B938-9C88-534D-9C2B-8106A6BC71DA}"/>
-              </a:ext>
-            </a:extLst>
-          </p:cNvPr>
-          <p:cNvSpPr/>
-          <p:nvPr/>
-        </p:nvSpPr>
-        <p:spPr>
-          <a:xfrm>
-            <a:off x="1085020" y="4347051"/>
-            <a:ext cx="9604513" cy="2202141"/>
-          </a:xfrm>
-          <a:prstGeom prst="rect">
-            <a:avLst/>
-          </a:prstGeom>
-        </p:spPr>
-        <p:txBody>
-          <a:bodyPr wrap="square">
-            <a:spAutoFit/>
-          </a:bodyPr>
-          <a:lstStyle/>
-          <a:p>
-            <a:pPr>
-              <a:lnSpc>
-                <a:spcPct val="115000"/>
-              </a:lnSpc>
-            </a:pPr>
-            <a:r>
-              <a:rPr lang="en-US" sz="2400" dirty="0">
-                <a:solidFill>
-                  <a:srgbClr val="000000"/>
-                </a:solidFill>
-                <a:latin typeface="Courier New" panose="02070309020205020404" pitchFamily="49" charset="0"/>
-                <a:ea typeface="Courier New" panose="02070309020205020404" pitchFamily="49" charset="0"/>
-              </a:rPr>
-              <a:t>Temp = 72.3</a:t>
-            </a:r>
-          </a:p>
-          <a:p>
-            <a:pPr>
-              <a:lnSpc>
-                <a:spcPct val="115000"/>
-              </a:lnSpc>
-            </a:pPr>
-            <a:r>
-              <a:rPr lang="en-US" sz="2400" dirty="0">
-                <a:solidFill>
-                  <a:srgbClr val="000000"/>
-                </a:solidFill>
-                <a:latin typeface="Courier New" panose="02070309020205020404" pitchFamily="49" charset="0"/>
-                <a:ea typeface="Courier New" panose="02070309020205020404" pitchFamily="49" charset="0"/>
-              </a:rPr>
-              <a:t>Seq = </a:t>
-            </a:r>
-            <a:r>
-              <a:rPr lang="en-US" sz="2400" dirty="0">
-                <a:latin typeface="Courier New" panose="02070309020205020404" pitchFamily="49" charset="0"/>
-                <a:cs typeface="Courier New" panose="02070309020205020404" pitchFamily="49" charset="0"/>
-              </a:rPr>
-              <a:t>"</a:t>
-            </a:r>
-            <a:r>
-              <a:rPr lang="en-US" sz="2400" dirty="0">
-                <a:solidFill>
-                  <a:srgbClr val="000000"/>
-                </a:solidFill>
-                <a:latin typeface="Courier New" panose="02070309020205020404" pitchFamily="49" charset="0"/>
-                <a:ea typeface="Courier New" panose="02070309020205020404" pitchFamily="49" charset="0"/>
-              </a:rPr>
-              <a:t>ATCCC</a:t>
-            </a:r>
-            <a:r>
-              <a:rPr lang="en-US" sz="2400" dirty="0">
-                <a:latin typeface="Courier New" panose="02070309020205020404" pitchFamily="49" charset="0"/>
-                <a:cs typeface="Courier New" panose="02070309020205020404" pitchFamily="49" charset="0"/>
-              </a:rPr>
-              <a:t>" </a:t>
-            </a:r>
-          </a:p>
-          <a:p>
-            <a:pPr>
-              <a:lnSpc>
-                <a:spcPct val="115000"/>
-              </a:lnSpc>
-            </a:pPr>
-            <a:r>
-              <a:rPr lang="en-US" sz="2400" dirty="0">
-                <a:solidFill>
-                  <a:srgbClr val="000000"/>
-                </a:solidFill>
-                <a:latin typeface="Courier New" panose="02070309020205020404" pitchFamily="49" charset="0"/>
-                <a:ea typeface="Courier New" panose="02070309020205020404" pitchFamily="49" charset="0"/>
-                <a:cs typeface="Courier New" panose="02070309020205020404" pitchFamily="49" charset="0"/>
-              </a:rPr>
-              <a:t>Num = 23</a:t>
-            </a:r>
-            <a:endParaRPr lang="en-US" sz="2400" dirty="0">
-              <a:solidFill>
-                <a:srgbClr val="000000"/>
-              </a:solidFill>
-              <a:latin typeface="Courier New" panose="02070309020205020404" pitchFamily="49" charset="0"/>
-              <a:ea typeface="Courier New" panose="02070309020205020404" pitchFamily="49" charset="0"/>
-            </a:endParaRPr>
-          </a:p>
-          <a:p>
-            <a:pPr>
-              <a:lnSpc>
-                <a:spcPct val="115000"/>
-              </a:lnSpc>
-            </a:pPr>
-            <a:r>
-              <a:rPr lang="en-US" sz="2400" dirty="0">
-                <a:latin typeface="Courier New" panose="02070309020205020404" pitchFamily="49" charset="0"/>
-                <a:cs typeface="Courier New" panose="02070309020205020404" pitchFamily="49" charset="0"/>
-              </a:rPr>
-              <a:t>print("Primer %d, bases %s, melting point %f" % (Num, Seq, Temp))</a:t>
-            </a:r>
-          </a:p>
-        </p:txBody>
-      </p:sp>
-    </p:spTree>
-    <p:extLst>
-      <p:ext uri="{BB962C8B-B14F-4D97-AF65-F5344CB8AC3E}">
-        <p14:creationId xmlns:p14="http://schemas.microsoft.com/office/powerpoint/2010/main" val="1979023920"/>
-      </p:ext>
-    </p:extLst>
-  </p:cSld>
-  <p:clrMapOvr>
-    <a:masterClrMapping/>
-  </p:clrMapOvr>
-</p:sld>
-</file>
-
-<file path=ppt/slides/slide9.xml><?xml version="1.0" encoding="utf-8"?>
-<p:sld xmlns:a="http://schemas.openxmlformats.org/drawingml/2006/main" xmlns:r="http://schemas.openxmlformats.org/officeDocument/2006/relationships" xmlns:p="http://schemas.openxmlformats.org/presentationml/2006/main">
-  <p:cSld>
-    <p:spTree>
-      <p:nvGrpSpPr>
-        <p:cNvPr id="1" name=""/>
-        <p:cNvGrpSpPr/>
-        <p:nvPr/>
-      </p:nvGrpSpPr>
-      <p:grpSpPr>
-        <a:xfrm>
-          <a:off x="0" y="0"/>
-          <a:ext cx="0" cy="0"/>
-          <a:chOff x="0" y="0"/>
-          <a:chExt cx="0" cy="0"/>
-        </a:xfrm>
-      </p:grpSpPr>
-      <p:sp>
-        <p:nvSpPr>
-          <p:cNvPr id="2" name="TextBox 1">
-            <a:extLst>
-              <a:ext uri="{FF2B5EF4-FFF2-40B4-BE49-F238E27FC236}">
-                <a16:creationId xmlns:a16="http://schemas.microsoft.com/office/drawing/2014/main" id="{090BC4A2-9B62-A242-A5D4-64C574932116}"/>
-              </a:ext>
-            </a:extLst>
-          </p:cNvPr>
-          <p:cNvSpPr txBox="1"/>
-          <p:nvPr/>
-        </p:nvSpPr>
-        <p:spPr>
-          <a:xfrm>
-            <a:off x="2691497" y="449207"/>
-            <a:ext cx="6340197" cy="600164"/>
-          </a:xfrm>
-          <a:prstGeom prst="rect">
-            <a:avLst/>
-          </a:prstGeom>
-          <a:noFill/>
-        </p:spPr>
-        <p:txBody>
-          <a:bodyPr wrap="none" rtlCol="0">
-            <a:spAutoFit/>
-          </a:bodyPr>
-          <a:lstStyle/>
-          <a:p>
-            <a:r>
-              <a:rPr lang="en-US" sz="3300" b="1" dirty="0">
-                <a:latin typeface="Helvetica Light" panose="020B0403020202020204" pitchFamily="34" charset="0"/>
-              </a:rPr>
-              <a:t>Interactive mode help() and </a:t>
-            </a:r>
-            <a:r>
-              <a:rPr lang="en-US" sz="3300" b="1" dirty="0" err="1">
-                <a:latin typeface="Helvetica Light" panose="020B0403020202020204" pitchFamily="34" charset="0"/>
-              </a:rPr>
-              <a:t>dir</a:t>
-            </a:r>
-            <a:r>
-              <a:rPr lang="en-US" sz="3300" b="1" dirty="0">
-                <a:latin typeface="Helvetica Light" panose="020B0403020202020204" pitchFamily="34" charset="0"/>
-              </a:rPr>
-              <a:t>()</a:t>
-            </a:r>
-          </a:p>
-        </p:txBody>
-      </p:sp>
-      <p:sp>
-        <p:nvSpPr>
-          <p:cNvPr id="3" name="Rectangle 2">
-            <a:extLst>
-              <a:ext uri="{FF2B5EF4-FFF2-40B4-BE49-F238E27FC236}">
-                <a16:creationId xmlns:a16="http://schemas.microsoft.com/office/drawing/2014/main" id="{AE512135-4E26-EA4B-8F81-2F5B981B57B4}"/>
-              </a:ext>
-            </a:extLst>
-          </p:cNvPr>
-          <p:cNvSpPr/>
-          <p:nvPr/>
-        </p:nvSpPr>
-        <p:spPr>
-          <a:xfrm>
-            <a:off x="1370622" y="1452770"/>
-            <a:ext cx="7830990" cy="830997"/>
-          </a:xfrm>
-          <a:prstGeom prst="rect">
-            <a:avLst/>
-          </a:prstGeom>
-        </p:spPr>
-        <p:txBody>
-          <a:bodyPr wrap="none">
-            <a:spAutoFit/>
-          </a:bodyPr>
-          <a:lstStyle/>
-          <a:p>
-            <a:r>
-              <a:rPr lang="en-US" sz="2600" dirty="0">
-                <a:latin typeface="Courier New" panose="02070309020205020404" pitchFamily="49" charset="0"/>
-                <a:cs typeface="Courier New" panose="02070309020205020404" pitchFamily="49" charset="0"/>
-              </a:rPr>
-              <a:t>help(str)		</a:t>
-            </a:r>
-          </a:p>
-          <a:p>
-            <a:r>
-              <a:rPr lang="en-US" sz="2200" dirty="0">
-                <a:latin typeface="Courier New" panose="02070309020205020404" pitchFamily="49" charset="0"/>
-                <a:cs typeface="Courier New" panose="02070309020205020404" pitchFamily="49" charset="0"/>
-              </a:rPr>
-              <a:t># provides brief description of str functions</a:t>
-            </a:r>
-            <a:endParaRPr lang="en-US" sz="2200" dirty="0">
-              <a:effectLst/>
-              <a:latin typeface="Courier New" panose="02070309020205020404" pitchFamily="49" charset="0"/>
-              <a:cs typeface="Courier New" panose="02070309020205020404" pitchFamily="49" charset="0"/>
-            </a:endParaRPr>
-          </a:p>
-        </p:txBody>
-      </p:sp>
-      <p:pic>
-        <p:nvPicPr>
-          <p:cNvPr id="6" name="Picture 5" descr="A blackboard sign on a wall&#10;&#10;Description automatically generated">
-            <a:extLst>
-              <a:ext uri="{FF2B5EF4-FFF2-40B4-BE49-F238E27FC236}">
-                <a16:creationId xmlns:a16="http://schemas.microsoft.com/office/drawing/2014/main" id="{CB5ED61C-480B-1F4F-BC6B-08EE1FCCC2BD}"/>
-              </a:ext>
-            </a:extLst>
-          </p:cNvPr>
-          <p:cNvPicPr>
-            <a:picLocks noChangeAspect="1"/>
-          </p:cNvPicPr>
-          <p:nvPr/>
-        </p:nvPicPr>
-        <p:blipFill>
-          <a:blip r:embed="rId2"/>
-          <a:stretch>
-            <a:fillRect/>
-          </a:stretch>
-        </p:blipFill>
-        <p:spPr>
-          <a:xfrm>
-            <a:off x="1062817" y="2687166"/>
-            <a:ext cx="6279559" cy="3721627"/>
-          </a:xfrm>
-          <a:prstGeom prst="rect">
-            <a:avLst/>
-          </a:prstGeom>
-        </p:spPr>
-      </p:pic>
-      <p:sp>
-        <p:nvSpPr>
-          <p:cNvPr id="7" name="TextBox 6">
-            <a:extLst>
-              <a:ext uri="{FF2B5EF4-FFF2-40B4-BE49-F238E27FC236}">
-                <a16:creationId xmlns:a16="http://schemas.microsoft.com/office/drawing/2014/main" id="{595CAE82-27F4-714B-9EFF-7CC1DE322C4C}"/>
-              </a:ext>
-            </a:extLst>
-          </p:cNvPr>
-          <p:cNvSpPr txBox="1"/>
-          <p:nvPr/>
-        </p:nvSpPr>
-        <p:spPr>
-          <a:xfrm>
-            <a:off x="7512689" y="3690730"/>
-            <a:ext cx="4483842" cy="1369606"/>
-          </a:xfrm>
-          <a:prstGeom prst="rect">
-            <a:avLst/>
-          </a:prstGeom>
-          <a:noFill/>
-        </p:spPr>
-        <p:txBody>
-          <a:bodyPr wrap="square" rtlCol="0">
-            <a:spAutoFit/>
-          </a:bodyPr>
-          <a:lstStyle/>
-          <a:p>
-            <a:r>
-              <a:rPr lang="en-US" sz="2400" dirty="0">
-                <a:latin typeface="Helvetica Light" panose="020B0403020202020204" pitchFamily="34" charset="0"/>
-              </a:rPr>
-              <a:t>Hitting tab after variable name followed by </a:t>
-            </a:r>
-            <a:r>
-              <a:rPr lang="en-US" sz="3500" b="1" dirty="0">
-                <a:latin typeface="Helvetica Light" panose="020B0403020202020204" pitchFamily="34" charset="0"/>
-              </a:rPr>
-              <a:t>.</a:t>
-            </a:r>
-            <a:r>
-              <a:rPr lang="en-US" sz="2400" b="1" dirty="0">
-                <a:latin typeface="Helvetica Light" panose="020B0403020202020204" pitchFamily="34" charset="0"/>
-              </a:rPr>
-              <a:t> </a:t>
-            </a:r>
-            <a:r>
-              <a:rPr lang="en-US" sz="2400" dirty="0">
-                <a:latin typeface="Helvetica Light" panose="020B0403020202020204" pitchFamily="34" charset="0"/>
-              </a:rPr>
-              <a:t>will list methods available to that variable.</a:t>
-            </a:r>
-          </a:p>
-        </p:txBody>
-      </p:sp>
-    </p:spTree>
-    <p:extLst>
-      <p:ext uri="{BB962C8B-B14F-4D97-AF65-F5344CB8AC3E}">
-        <p14:creationId xmlns:p14="http://schemas.microsoft.com/office/powerpoint/2010/main" val="1300954205"/>
-      </p:ext>
-    </p:extLst>
-  </p:cSld>
-  <p:clrMapOvr>
-    <a:masterClrMapping/>
-  </p:clrMapOvr>
 </p:sld>
 </file>
 
